--- a/minky/10주차/그리디발표.pptx
+++ b/minky/10주차/그리디발표.pptx
@@ -5,7 +5,7 @@
     <p:sldMasterId id="2147483648" r:id="rId1"/>
   </p:sldMasterIdLst>
   <p:notesMasterIdLst>
-    <p:notesMasterId r:id="rId12"/>
+    <p:notesMasterId r:id="rId15"/>
   </p:notesMasterIdLst>
   <p:sldIdLst>
     <p:sldId id="266" r:id="rId2"/>
@@ -17,7 +17,10 @@
     <p:sldId id="336" r:id="rId8"/>
     <p:sldId id="337" r:id="rId9"/>
     <p:sldId id="267" r:id="rId10"/>
-    <p:sldId id="326" r:id="rId11"/>
+    <p:sldId id="338" r:id="rId11"/>
+    <p:sldId id="339" r:id="rId12"/>
+    <p:sldId id="340" r:id="rId13"/>
+    <p:sldId id="326" r:id="rId14"/>
   </p:sldIdLst>
   <p:sldSz cx="12192000" cy="6858000"/>
   <p:notesSz cx="6858000" cy="9144000"/>
@@ -3406,7 +3409,7 @@
           <a:p>
             <a:fld id="{B24040AF-CDC3-48A7-A67F-059C7BBB7DA5}" type="datetimeFigureOut">
               <a:rPr lang="ko-KR" altLang="en-US" smtClean="0"/>
-              <a:t>2020-01-16</a:t>
+              <a:t>2020-01-18</a:t>
             </a:fld>
             <a:endParaRPr lang="ko-KR" altLang="en-US"/>
           </a:p>
@@ -4093,6 +4096,174 @@
 </p:notes>
 </file>
 
+<file path=ppt/notesSlides/notesSlide6.xml><?xml version="1.0" encoding="utf-8"?>
+<p:notes xmlns:a="http://schemas.openxmlformats.org/drawingml/2006/main" xmlns:r="http://schemas.openxmlformats.org/officeDocument/2006/relationships" xmlns:p="http://schemas.openxmlformats.org/presentationml/2006/main">
+  <p:cSld>
+    <p:spTree>
+      <p:nvGrpSpPr>
+        <p:cNvPr id="1" name=""/>
+        <p:cNvGrpSpPr/>
+        <p:nvPr/>
+      </p:nvGrpSpPr>
+      <p:grpSpPr>
+        <a:xfrm>
+          <a:off x="0" y="0"/>
+          <a:ext cx="0" cy="0"/>
+          <a:chOff x="0" y="0"/>
+          <a:chExt cx="0" cy="0"/>
+        </a:xfrm>
+      </p:grpSpPr>
+      <p:sp>
+        <p:nvSpPr>
+          <p:cNvPr id="2" name="슬라이드 이미지 개체 틀 1"/>
+          <p:cNvSpPr>
+            <a:spLocks noGrp="1" noRot="1" noChangeAspect="1"/>
+          </p:cNvSpPr>
+          <p:nvPr>
+            <p:ph type="sldImg"/>
+          </p:nvPr>
+        </p:nvSpPr>
+        <p:spPr/>
+      </p:sp>
+      <p:sp>
+        <p:nvSpPr>
+          <p:cNvPr id="3" name="슬라이드 노트 개체 틀 2"/>
+          <p:cNvSpPr>
+            <a:spLocks noGrp="1"/>
+          </p:cNvSpPr>
+          <p:nvPr>
+            <p:ph type="body" idx="1"/>
+          </p:nvPr>
+        </p:nvSpPr>
+        <p:spPr/>
+        <p:txBody>
+          <a:bodyPr/>
+          <a:lstStyle/>
+          <a:p>
+            <a:endParaRPr lang="ko-KR" altLang="en-US" dirty="0"/>
+          </a:p>
+        </p:txBody>
+      </p:sp>
+      <p:sp>
+        <p:nvSpPr>
+          <p:cNvPr id="4" name="슬라이드 번호 개체 틀 3"/>
+          <p:cNvSpPr>
+            <a:spLocks noGrp="1"/>
+          </p:cNvSpPr>
+          <p:nvPr>
+            <p:ph type="sldNum" sz="quarter" idx="5"/>
+          </p:nvPr>
+        </p:nvSpPr>
+        <p:spPr/>
+        <p:txBody>
+          <a:bodyPr/>
+          <a:lstStyle/>
+          <a:p>
+            <a:fld id="{9778FBA5-D8CD-4A40-AE17-7C9A42BF7FEA}" type="slidenum">
+              <a:rPr lang="ko-KR" altLang="en-US" smtClean="0"/>
+              <a:t>11</a:t>
+            </a:fld>
+            <a:endParaRPr lang="ko-KR" altLang="en-US"/>
+          </a:p>
+        </p:txBody>
+      </p:sp>
+    </p:spTree>
+    <p:extLst>
+      <p:ext uri="{BB962C8B-B14F-4D97-AF65-F5344CB8AC3E}">
+        <p14:creationId xmlns:p14="http://schemas.microsoft.com/office/powerpoint/2010/main" val="2669770278"/>
+      </p:ext>
+    </p:extLst>
+  </p:cSld>
+  <p:clrMapOvr>
+    <a:masterClrMapping/>
+  </p:clrMapOvr>
+</p:notes>
+</file>
+
+<file path=ppt/notesSlides/notesSlide7.xml><?xml version="1.0" encoding="utf-8"?>
+<p:notes xmlns:a="http://schemas.openxmlformats.org/drawingml/2006/main" xmlns:r="http://schemas.openxmlformats.org/officeDocument/2006/relationships" xmlns:p="http://schemas.openxmlformats.org/presentationml/2006/main">
+  <p:cSld>
+    <p:spTree>
+      <p:nvGrpSpPr>
+        <p:cNvPr id="1" name=""/>
+        <p:cNvGrpSpPr/>
+        <p:nvPr/>
+      </p:nvGrpSpPr>
+      <p:grpSpPr>
+        <a:xfrm>
+          <a:off x="0" y="0"/>
+          <a:ext cx="0" cy="0"/>
+          <a:chOff x="0" y="0"/>
+          <a:chExt cx="0" cy="0"/>
+        </a:xfrm>
+      </p:grpSpPr>
+      <p:sp>
+        <p:nvSpPr>
+          <p:cNvPr id="2" name="슬라이드 이미지 개체 틀 1"/>
+          <p:cNvSpPr>
+            <a:spLocks noGrp="1" noRot="1" noChangeAspect="1"/>
+          </p:cNvSpPr>
+          <p:nvPr>
+            <p:ph type="sldImg"/>
+          </p:nvPr>
+        </p:nvSpPr>
+        <p:spPr/>
+      </p:sp>
+      <p:sp>
+        <p:nvSpPr>
+          <p:cNvPr id="3" name="슬라이드 노트 개체 틀 2"/>
+          <p:cNvSpPr>
+            <a:spLocks noGrp="1"/>
+          </p:cNvSpPr>
+          <p:nvPr>
+            <p:ph type="body" idx="1"/>
+          </p:nvPr>
+        </p:nvSpPr>
+        <p:spPr/>
+        <p:txBody>
+          <a:bodyPr/>
+          <a:lstStyle/>
+          <a:p>
+            <a:endParaRPr lang="ko-KR" altLang="en-US" dirty="0"/>
+          </a:p>
+        </p:txBody>
+      </p:sp>
+      <p:sp>
+        <p:nvSpPr>
+          <p:cNvPr id="4" name="슬라이드 번호 개체 틀 3"/>
+          <p:cNvSpPr>
+            <a:spLocks noGrp="1"/>
+          </p:cNvSpPr>
+          <p:nvPr>
+            <p:ph type="sldNum" sz="quarter" idx="5"/>
+          </p:nvPr>
+        </p:nvSpPr>
+        <p:spPr/>
+        <p:txBody>
+          <a:bodyPr/>
+          <a:lstStyle/>
+          <a:p>
+            <a:fld id="{9778FBA5-D8CD-4A40-AE17-7C9A42BF7FEA}" type="slidenum">
+              <a:rPr lang="ko-KR" altLang="en-US" smtClean="0"/>
+              <a:t>12</a:t>
+            </a:fld>
+            <a:endParaRPr lang="ko-KR" altLang="en-US"/>
+          </a:p>
+        </p:txBody>
+      </p:sp>
+    </p:spTree>
+    <p:extLst>
+      <p:ext uri="{BB962C8B-B14F-4D97-AF65-F5344CB8AC3E}">
+        <p14:creationId xmlns:p14="http://schemas.microsoft.com/office/powerpoint/2010/main" val="4010879335"/>
+      </p:ext>
+    </p:extLst>
+  </p:cSld>
+  <p:clrMapOvr>
+    <a:masterClrMapping/>
+  </p:clrMapOvr>
+</p:notes>
+</file>
+
 <file path=ppt/slideLayouts/slideLayout1.xml><?xml version="1.0" encoding="utf-8"?>
 <p:sldLayout xmlns:a="http://schemas.openxmlformats.org/drawingml/2006/main" xmlns:r="http://schemas.openxmlformats.org/officeDocument/2006/relationships" xmlns:p="http://schemas.openxmlformats.org/presentationml/2006/main" type="title" preserve="1">
   <p:cSld name="제목 슬라이드">
@@ -4240,7 +4411,7 @@
           <a:p>
             <a:fld id="{317A8FFB-BE52-496B-8173-A84F6C79BC12}" type="datetimeFigureOut">
               <a:rPr lang="ko-KR" altLang="en-US" smtClean="0"/>
-              <a:t>2020-01-16</a:t>
+              <a:t>2020-01-18</a:t>
             </a:fld>
             <a:endParaRPr lang="ko-KR" altLang="en-US"/>
           </a:p>
@@ -4438,7 +4609,7 @@
           <a:p>
             <a:fld id="{317A8FFB-BE52-496B-8173-A84F6C79BC12}" type="datetimeFigureOut">
               <a:rPr lang="ko-KR" altLang="en-US" smtClean="0"/>
-              <a:t>2020-01-16</a:t>
+              <a:t>2020-01-18</a:t>
             </a:fld>
             <a:endParaRPr lang="ko-KR" altLang="en-US"/>
           </a:p>
@@ -4646,7 +4817,7 @@
           <a:p>
             <a:fld id="{317A8FFB-BE52-496B-8173-A84F6C79BC12}" type="datetimeFigureOut">
               <a:rPr lang="ko-KR" altLang="en-US" smtClean="0"/>
-              <a:t>2020-01-16</a:t>
+              <a:t>2020-01-18</a:t>
             </a:fld>
             <a:endParaRPr lang="ko-KR" altLang="en-US"/>
           </a:p>
@@ -4844,7 +5015,7 @@
           <a:p>
             <a:fld id="{317A8FFB-BE52-496B-8173-A84F6C79BC12}" type="datetimeFigureOut">
               <a:rPr lang="ko-KR" altLang="en-US" smtClean="0"/>
-              <a:t>2020-01-16</a:t>
+              <a:t>2020-01-18</a:t>
             </a:fld>
             <a:endParaRPr lang="ko-KR" altLang="en-US"/>
           </a:p>
@@ -5119,7 +5290,7 @@
           <a:p>
             <a:fld id="{317A8FFB-BE52-496B-8173-A84F6C79BC12}" type="datetimeFigureOut">
               <a:rPr lang="ko-KR" altLang="en-US" smtClean="0"/>
-              <a:t>2020-01-16</a:t>
+              <a:t>2020-01-18</a:t>
             </a:fld>
             <a:endParaRPr lang="ko-KR" altLang="en-US"/>
           </a:p>
@@ -5384,7 +5555,7 @@
           <a:p>
             <a:fld id="{317A8FFB-BE52-496B-8173-A84F6C79BC12}" type="datetimeFigureOut">
               <a:rPr lang="ko-KR" altLang="en-US" smtClean="0"/>
-              <a:t>2020-01-16</a:t>
+              <a:t>2020-01-18</a:t>
             </a:fld>
             <a:endParaRPr lang="ko-KR" altLang="en-US"/>
           </a:p>
@@ -5796,7 +5967,7 @@
           <a:p>
             <a:fld id="{317A8FFB-BE52-496B-8173-A84F6C79BC12}" type="datetimeFigureOut">
               <a:rPr lang="ko-KR" altLang="en-US" smtClean="0"/>
-              <a:t>2020-01-16</a:t>
+              <a:t>2020-01-18</a:t>
             </a:fld>
             <a:endParaRPr lang="ko-KR" altLang="en-US"/>
           </a:p>
@@ -5937,7 +6108,7 @@
           <a:p>
             <a:fld id="{317A8FFB-BE52-496B-8173-A84F6C79BC12}" type="datetimeFigureOut">
               <a:rPr lang="ko-KR" altLang="en-US" smtClean="0"/>
-              <a:t>2020-01-16</a:t>
+              <a:t>2020-01-18</a:t>
             </a:fld>
             <a:endParaRPr lang="ko-KR" altLang="en-US"/>
           </a:p>
@@ -6050,7 +6221,7 @@
           <a:p>
             <a:fld id="{317A8FFB-BE52-496B-8173-A84F6C79BC12}" type="datetimeFigureOut">
               <a:rPr lang="ko-KR" altLang="en-US" smtClean="0"/>
-              <a:t>2020-01-16</a:t>
+              <a:t>2020-01-18</a:t>
             </a:fld>
             <a:endParaRPr lang="ko-KR" altLang="en-US"/>
           </a:p>
@@ -6361,7 +6532,7 @@
           <a:p>
             <a:fld id="{317A8FFB-BE52-496B-8173-A84F6C79BC12}" type="datetimeFigureOut">
               <a:rPr lang="ko-KR" altLang="en-US" smtClean="0"/>
-              <a:t>2020-01-16</a:t>
+              <a:t>2020-01-18</a:t>
             </a:fld>
             <a:endParaRPr lang="ko-KR" altLang="en-US"/>
           </a:p>
@@ -6649,7 +6820,7 @@
           <a:p>
             <a:fld id="{317A8FFB-BE52-496B-8173-A84F6C79BC12}" type="datetimeFigureOut">
               <a:rPr lang="ko-KR" altLang="en-US" smtClean="0"/>
-              <a:t>2020-01-16</a:t>
+              <a:t>2020-01-18</a:t>
             </a:fld>
             <a:endParaRPr lang="ko-KR" altLang="en-US"/>
           </a:p>
@@ -6890,7 +7061,7 @@
           <a:p>
             <a:fld id="{317A8FFB-BE52-496B-8173-A84F6C79BC12}" type="datetimeFigureOut">
               <a:rPr lang="ko-KR" altLang="en-US" smtClean="0"/>
-              <a:t>2020-01-16</a:t>
+              <a:t>2020-01-18</a:t>
             </a:fld>
             <a:endParaRPr lang="ko-KR" altLang="en-US"/>
           </a:p>
@@ -7698,6 +7869,2158 @@
 </file>
 
 <file path=ppt/slides/slide10.xml><?xml version="1.0" encoding="utf-8"?>
+<p:sld xmlns:a="http://schemas.openxmlformats.org/drawingml/2006/main" xmlns:r="http://schemas.openxmlformats.org/officeDocument/2006/relationships" xmlns:p="http://schemas.openxmlformats.org/presentationml/2006/main">
+  <p:cSld>
+    <p:bg>
+      <p:bgPr>
+        <a:solidFill>
+          <a:schemeClr val="bg1"/>
+        </a:solidFill>
+        <a:effectLst/>
+      </p:bgPr>
+    </p:bg>
+    <p:spTree>
+      <p:nvGrpSpPr>
+        <p:cNvPr id="1" name=""/>
+        <p:cNvGrpSpPr/>
+        <p:nvPr/>
+      </p:nvGrpSpPr>
+      <p:grpSpPr>
+        <a:xfrm>
+          <a:off x="0" y="0"/>
+          <a:ext cx="0" cy="0"/>
+          <a:chOff x="0" y="0"/>
+          <a:chExt cx="0" cy="0"/>
+        </a:xfrm>
+      </p:grpSpPr>
+      <p:sp>
+        <p:nvSpPr>
+          <p:cNvPr id="20" name="Rectangle 7">
+            <a:extLst>
+              <a:ext uri="{FF2B5EF4-FFF2-40B4-BE49-F238E27FC236}">
+                <a16:creationId xmlns:a16="http://schemas.microsoft.com/office/drawing/2014/main" id="{23962611-DFD5-4092-AAFD-559E3DFCE2C9}"/>
+              </a:ext>
+              <a:ext uri="{C183D7F6-B498-43B3-948B-1728B52AA6E4}">
+                <adec:decorative xmlns:adec="http://schemas.microsoft.com/office/drawing/2017/decorative" val="1"/>
+              </a:ext>
+            </a:extLst>
+          </p:cNvPr>
+          <p:cNvSpPr>
+            <a:spLocks noGrp="1" noRot="1" noChangeAspect="1" noMove="1" noResize="1" noEditPoints="1" noAdjustHandles="1" noChangeArrowheads="1" noChangeShapeType="1" noTextEdit="1"/>
+          </p:cNvSpPr>
+          <p:nvPr>
+            <p:extLst>
+              <p:ext uri="{386F3935-93C4-4BCD-93E2-E3B085C9AB24}">
+                <p16:designElem xmlns:p16="http://schemas.microsoft.com/office/powerpoint/2015/main" val="1"/>
+              </p:ext>
+            </p:extLst>
+          </p:nvPr>
+        </p:nvSpPr>
+        <p:spPr>
+          <a:xfrm>
+            <a:off x="475488" y="0"/>
+            <a:ext cx="10910292" cy="6858000"/>
+          </a:xfrm>
+          <a:prstGeom prst="rect">
+            <a:avLst/>
+          </a:prstGeom>
+          <a:gradFill>
+            <a:gsLst>
+              <a:gs pos="0">
+                <a:schemeClr val="accent1">
+                  <a:lumMod val="90000"/>
+                </a:schemeClr>
+              </a:gs>
+              <a:gs pos="25000">
+                <a:schemeClr val="accent1">
+                  <a:lumMod val="90000"/>
+                </a:schemeClr>
+              </a:gs>
+              <a:gs pos="94000">
+                <a:schemeClr val="bg2">
+                  <a:lumMod val="25000"/>
+                </a:schemeClr>
+              </a:gs>
+              <a:gs pos="100000">
+                <a:schemeClr val="bg2">
+                  <a:lumMod val="25000"/>
+                </a:schemeClr>
+              </a:gs>
+            </a:gsLst>
+            <a:lin ang="4200000" scaled="0"/>
+          </a:gradFill>
+          <a:ln>
+            <a:noFill/>
+          </a:ln>
+        </p:spPr>
+        <p:style>
+          <a:lnRef idx="2">
+            <a:schemeClr val="accent1">
+              <a:shade val="50000"/>
+            </a:schemeClr>
+          </a:lnRef>
+          <a:fillRef idx="1">
+            <a:schemeClr val="accent1"/>
+          </a:fillRef>
+          <a:effectRef idx="0">
+            <a:schemeClr val="accent1"/>
+          </a:effectRef>
+          <a:fontRef idx="minor">
+            <a:schemeClr val="lt1"/>
+          </a:fontRef>
+        </p:style>
+        <p:txBody>
+          <a:bodyPr rtlCol="0" anchor="ctr"/>
+          <a:lstStyle/>
+          <a:p>
+            <a:pPr algn="ctr"/>
+            <a:endParaRPr lang="en-US"/>
+          </a:p>
+        </p:txBody>
+      </p:sp>
+      <p:pic>
+        <p:nvPicPr>
+          <p:cNvPr id="21" name="Picture 9">
+            <a:extLst>
+              <a:ext uri="{FF2B5EF4-FFF2-40B4-BE49-F238E27FC236}">
+                <a16:creationId xmlns:a16="http://schemas.microsoft.com/office/drawing/2014/main" id="{2270F1FA-0425-408F-9861-80BF5AFB276D}"/>
+              </a:ext>
+              <a:ext uri="{C183D7F6-B498-43B3-948B-1728B52AA6E4}">
+                <adec:decorative xmlns:adec="http://schemas.microsoft.com/office/drawing/2017/decorative" val="1"/>
+              </a:ext>
+            </a:extLst>
+          </p:cNvPr>
+          <p:cNvPicPr>
+            <a:picLocks noGrp="1" noRot="1" noChangeAspect="1" noMove="1" noResize="1" noEditPoints="1" noAdjustHandles="1" noChangeArrowheads="1" noChangeShapeType="1" noCrop="1"/>
+          </p:cNvPicPr>
+          <p:nvPr>
+            <p:extLst>
+              <p:ext uri="{386F3935-93C4-4BCD-93E2-E3B085C9AB24}">
+                <p16:designElem xmlns:p16="http://schemas.microsoft.com/office/powerpoint/2015/main" val="1"/>
+              </p:ext>
+            </p:extLst>
+          </p:nvPr>
+        </p:nvPicPr>
+        <p:blipFill>
+          <a:blip r:embed="rId2">
+            <a:extLst>
+              <a:ext uri="{28A0092B-C50C-407E-A947-70E740481C1C}">
+                <a14:useLocalDpi xmlns:a14="http://schemas.microsoft.com/office/drawing/2010/main" val="0"/>
+              </a:ext>
+            </a:extLst>
+          </a:blip>
+          <a:stretch>
+            <a:fillRect/>
+          </a:stretch>
+        </p:blipFill>
+        <p:spPr>
+          <a:xfrm>
+            <a:off x="0" y="0"/>
+            <a:ext cx="12192000" cy="6858000"/>
+          </a:xfrm>
+          <a:prstGeom prst="rect">
+            <a:avLst/>
+          </a:prstGeom>
+        </p:spPr>
+      </p:pic>
+      <p:sp>
+        <p:nvSpPr>
+          <p:cNvPr id="2" name="제목 1">
+            <a:extLst>
+              <a:ext uri="{FF2B5EF4-FFF2-40B4-BE49-F238E27FC236}">
+                <a16:creationId xmlns:a16="http://schemas.microsoft.com/office/drawing/2014/main" id="{9BDE6E06-ABAF-4BBC-A394-F993E8F81EF3}"/>
+              </a:ext>
+            </a:extLst>
+          </p:cNvPr>
+          <p:cNvSpPr>
+            <a:spLocks noGrp="1"/>
+          </p:cNvSpPr>
+          <p:nvPr>
+            <p:ph type="ctrTitle"/>
+          </p:nvPr>
+        </p:nvSpPr>
+        <p:spPr>
+          <a:xfrm>
+            <a:off x="3045368" y="2043663"/>
+            <a:ext cx="6105194" cy="2031055"/>
+          </a:xfrm>
+        </p:spPr>
+        <p:txBody>
+          <a:bodyPr>
+            <a:normAutofit/>
+          </a:bodyPr>
+          <a:lstStyle/>
+          <a:p>
+            <a:r>
+              <a:rPr lang="ko-KR" altLang="en-US" dirty="0">
+                <a:solidFill>
+                  <a:srgbClr val="FFFFFF"/>
+                </a:solidFill>
+              </a:rPr>
+              <a:t>문제풀이</a:t>
+            </a:r>
+          </a:p>
+        </p:txBody>
+      </p:sp>
+    </p:spTree>
+    <p:extLst>
+      <p:ext uri="{BB962C8B-B14F-4D97-AF65-F5344CB8AC3E}">
+        <p14:creationId xmlns:p14="http://schemas.microsoft.com/office/powerpoint/2010/main" val="3985143692"/>
+      </p:ext>
+    </p:extLst>
+  </p:cSld>
+  <p:clrMapOvr>
+    <a:masterClrMapping/>
+  </p:clrMapOvr>
+</p:sld>
+</file>
+
+<file path=ppt/slides/slide11.xml><?xml version="1.0" encoding="utf-8"?>
+<p:sld xmlns:a="http://schemas.openxmlformats.org/drawingml/2006/main" xmlns:r="http://schemas.openxmlformats.org/officeDocument/2006/relationships" xmlns:p="http://schemas.openxmlformats.org/presentationml/2006/main">
+  <p:cSld>
+    <p:bg>
+      <p:bgPr>
+        <a:solidFill>
+          <a:schemeClr val="tx1"/>
+        </a:solidFill>
+        <a:effectLst/>
+      </p:bgPr>
+    </p:bg>
+    <p:spTree>
+      <p:nvGrpSpPr>
+        <p:cNvPr id="1" name=""/>
+        <p:cNvGrpSpPr/>
+        <p:nvPr/>
+      </p:nvGrpSpPr>
+      <p:grpSpPr>
+        <a:xfrm>
+          <a:off x="0" y="0"/>
+          <a:ext cx="0" cy="0"/>
+          <a:chOff x="0" y="0"/>
+          <a:chExt cx="0" cy="0"/>
+        </a:xfrm>
+      </p:grpSpPr>
+      <p:sp>
+        <p:nvSpPr>
+          <p:cNvPr id="135" name="Rectangle 134">
+            <a:extLst>
+              <a:ext uri="{FF2B5EF4-FFF2-40B4-BE49-F238E27FC236}">
+                <a16:creationId xmlns:a16="http://schemas.microsoft.com/office/drawing/2014/main" id="{867D4867-5BA7-4462-B2F6-A23F4A622AA7}"/>
+              </a:ext>
+              <a:ext uri="{C183D7F6-B498-43B3-948B-1728B52AA6E4}">
+                <adec:decorative xmlns:adec="http://schemas.microsoft.com/office/drawing/2017/decorative" val="1"/>
+              </a:ext>
+            </a:extLst>
+          </p:cNvPr>
+          <p:cNvSpPr>
+            <a:spLocks noGrp="1" noRot="1" noChangeAspect="1" noMove="1" noResize="1" noEditPoints="1" noAdjustHandles="1" noChangeArrowheads="1" noChangeShapeType="1" noTextEdit="1"/>
+          </p:cNvSpPr>
+          <p:nvPr>
+            <p:extLst>
+              <p:ext uri="{386F3935-93C4-4BCD-93E2-E3B085C9AB24}">
+                <p16:designElem xmlns:p16="http://schemas.microsoft.com/office/powerpoint/2015/main" val="1"/>
+              </p:ext>
+            </p:extLst>
+          </p:nvPr>
+        </p:nvSpPr>
+        <p:spPr>
+          <a:xfrm>
+            <a:off x="0" y="0"/>
+            <a:ext cx="4654296" cy="6858000"/>
+          </a:xfrm>
+          <a:prstGeom prst="rect">
+            <a:avLst/>
+          </a:prstGeom>
+          <a:solidFill>
+            <a:srgbClr val="3F3F3F"/>
+          </a:solidFill>
+          <a:ln>
+            <a:noFill/>
+          </a:ln>
+        </p:spPr>
+        <p:style>
+          <a:lnRef idx="0">
+            <a:scrgbClr r="0" g="0" b="0"/>
+          </a:lnRef>
+          <a:fillRef idx="0">
+            <a:scrgbClr r="0" g="0" b="0"/>
+          </a:fillRef>
+          <a:effectRef idx="0">
+            <a:scrgbClr r="0" g="0" b="0"/>
+          </a:effectRef>
+          <a:fontRef idx="minor">
+            <a:schemeClr val="lt1"/>
+          </a:fontRef>
+        </p:style>
+        <p:txBody>
+          <a:bodyPr rtlCol="0" anchor="ctr"/>
+          <a:lstStyle/>
+          <a:p>
+            <a:pPr algn="ctr"/>
+            <a:endParaRPr lang="en-US" dirty="0"/>
+          </a:p>
+        </p:txBody>
+      </p:sp>
+      <p:sp>
+        <p:nvSpPr>
+          <p:cNvPr id="2" name="제목 1">
+            <a:extLst>
+              <a:ext uri="{FF2B5EF4-FFF2-40B4-BE49-F238E27FC236}">
+                <a16:creationId xmlns:a16="http://schemas.microsoft.com/office/drawing/2014/main" id="{4E744930-30BA-4292-BEA7-3658BC5CE3EB}"/>
+              </a:ext>
+            </a:extLst>
+          </p:cNvPr>
+          <p:cNvSpPr>
+            <a:spLocks noGrp="1"/>
+          </p:cNvSpPr>
+          <p:nvPr>
+            <p:ph type="title"/>
+          </p:nvPr>
+        </p:nvSpPr>
+        <p:spPr>
+          <a:xfrm>
+            <a:off x="643468" y="623392"/>
+            <a:ext cx="3363974" cy="1607060"/>
+          </a:xfrm>
+          <a:noFill/>
+          <a:ln w="19050">
+            <a:solidFill>
+              <a:schemeClr val="tx1"/>
+            </a:solidFill>
+          </a:ln>
+        </p:spPr>
+        <p:txBody>
+          <a:bodyPr vert="horz" wrap="square" lIns="91440" tIns="45720" rIns="91440" bIns="45720" rtlCol="0" anchor="ctr">
+            <a:normAutofit/>
+          </a:bodyPr>
+          <a:lstStyle/>
+          <a:p>
+            <a:pPr algn="ctr" latinLnBrk="0"/>
+            <a:r>
+              <a:rPr lang="ko-KR" altLang="en-US" sz="2800" b="1" dirty="0"/>
+              <a:t>섬 연결하기</a:t>
+            </a:r>
+            <a:br>
+              <a:rPr lang="en-US" altLang="ko-KR" sz="2800" b="1" kern="1200" dirty="0">
+                <a:solidFill>
+                  <a:schemeClr val="tx1"/>
+                </a:solidFill>
+                <a:latin typeface="+mj-lt"/>
+                <a:ea typeface="+mj-ea"/>
+                <a:cs typeface="+mj-cs"/>
+              </a:rPr>
+            </a:br>
+            <a:endParaRPr lang="en-US" altLang="ko-KR" sz="2800" kern="1200" dirty="0">
+              <a:solidFill>
+                <a:schemeClr val="tx1"/>
+              </a:solidFill>
+              <a:latin typeface="+mj-lt"/>
+              <a:ea typeface="+mj-ea"/>
+              <a:cs typeface="+mj-cs"/>
+            </a:endParaRPr>
+          </a:p>
+        </p:txBody>
+      </p:sp>
+      <p:sp>
+        <p:nvSpPr>
+          <p:cNvPr id="3" name="내용 개체 틀 2">
+            <a:extLst>
+              <a:ext uri="{FF2B5EF4-FFF2-40B4-BE49-F238E27FC236}">
+                <a16:creationId xmlns:a16="http://schemas.microsoft.com/office/drawing/2014/main" id="{97FE6062-C2DF-4DC1-98BE-C8F190966A06}"/>
+              </a:ext>
+            </a:extLst>
+          </p:cNvPr>
+          <p:cNvSpPr>
+            <a:spLocks noGrp="1"/>
+          </p:cNvSpPr>
+          <p:nvPr>
+            <p:ph idx="1"/>
+          </p:nvPr>
+        </p:nvSpPr>
+        <p:spPr>
+          <a:xfrm>
+            <a:off x="643468" y="2638043"/>
+            <a:ext cx="3363974" cy="3415623"/>
+          </a:xfrm>
+        </p:spPr>
+        <p:txBody>
+          <a:bodyPr vert="horz" lIns="91440" tIns="45720" rIns="91440" bIns="45720" rtlCol="0">
+            <a:normAutofit/>
+          </a:bodyPr>
+          <a:lstStyle/>
+          <a:p>
+            <a:pPr marL="285750" latinLnBrk="0">
+              <a:spcAft>
+                <a:spcPts val="600"/>
+              </a:spcAft>
+            </a:pPr>
+            <a:r>
+              <a:rPr lang="ko-KR" altLang="en-US" sz="2000" dirty="0" err="1"/>
+              <a:t>크루스칼</a:t>
+            </a:r>
+            <a:r>
+              <a:rPr lang="ko-KR" altLang="en-US" sz="2000" dirty="0"/>
+              <a:t> 알고리즘 사용</a:t>
+            </a:r>
+            <a:endParaRPr lang="en-US" altLang="ko-KR" sz="2000" dirty="0"/>
+          </a:p>
+          <a:p>
+            <a:pPr marL="285750" latinLnBrk="0">
+              <a:spcAft>
+                <a:spcPts val="600"/>
+              </a:spcAft>
+            </a:pPr>
+            <a:r>
+              <a:rPr lang="ko-KR" altLang="en-US" sz="2000" dirty="0"/>
+              <a:t>사이클 감지는 유니언 </a:t>
+            </a:r>
+            <a:r>
+              <a:rPr lang="ko-KR" altLang="en-US" sz="2000" dirty="0" err="1"/>
+              <a:t>파인드</a:t>
+            </a:r>
+            <a:r>
+              <a:rPr lang="ko-KR" altLang="en-US" sz="2000" dirty="0"/>
+              <a:t> 알고리즘 사용</a:t>
+            </a:r>
+          </a:p>
+        </p:txBody>
+      </p:sp>
+      <p:pic>
+        <p:nvPicPr>
+          <p:cNvPr id="1026" name="Picture 2" descr="https://gmlwjd9405.github.io/images/algorithm-mst/kruskal-example2.png">
+            <a:extLst>
+              <a:ext uri="{FF2B5EF4-FFF2-40B4-BE49-F238E27FC236}">
+                <a16:creationId xmlns:a16="http://schemas.microsoft.com/office/drawing/2014/main" id="{73BA61B7-A430-4D0C-99DC-411C34C17460}"/>
+              </a:ext>
+            </a:extLst>
+          </p:cNvPr>
+          <p:cNvPicPr>
+            <a:picLocks noChangeAspect="1" noChangeArrowheads="1"/>
+          </p:cNvPicPr>
+          <p:nvPr/>
+        </p:nvPicPr>
+        <p:blipFill>
+          <a:blip r:embed="rId3">
+            <a:extLst>
+              <a:ext uri="{28A0092B-C50C-407E-A947-70E740481C1C}">
+                <a14:useLocalDpi xmlns:a14="http://schemas.microsoft.com/office/drawing/2010/main" val="0"/>
+              </a:ext>
+            </a:extLst>
+          </a:blip>
+          <a:stretch>
+            <a:fillRect/>
+          </a:stretch>
+        </p:blipFill>
+        <p:spPr bwMode="auto">
+          <a:xfrm>
+            <a:off x="5197151" y="477564"/>
+            <a:ext cx="6540576" cy="5902872"/>
+          </a:xfrm>
+          <a:prstGeom prst="rect">
+            <a:avLst/>
+          </a:prstGeom>
+          <a:noFill/>
+          <a:extLst>
+            <a:ext uri="{909E8E84-426E-40DD-AFC4-6F175D3DCCD1}">
+              <a14:hiddenFill xmlns:a14="http://schemas.microsoft.com/office/drawing/2010/main">
+                <a:solidFill>
+                  <a:srgbClr val="FFFFFF"/>
+                </a:solidFill>
+              </a14:hiddenFill>
+            </a:ext>
+          </a:extLst>
+        </p:spPr>
+      </p:pic>
+    </p:spTree>
+    <p:extLst>
+      <p:ext uri="{BB962C8B-B14F-4D97-AF65-F5344CB8AC3E}">
+        <p14:creationId xmlns:p14="http://schemas.microsoft.com/office/powerpoint/2010/main" val="1382316891"/>
+      </p:ext>
+    </p:extLst>
+  </p:cSld>
+  <p:clrMapOvr>
+    <a:overrideClrMapping bg1="dk1" tx1="lt1" bg2="dk2" tx2="lt2" accent1="accent1" accent2="accent2" accent3="accent3" accent4="accent4" accent5="accent5" accent6="accent6" hlink="hlink" folHlink="folHlink"/>
+  </p:clrMapOvr>
+</p:sld>
+</file>
+
+<file path=ppt/slides/slide12.xml><?xml version="1.0" encoding="utf-8"?>
+<p:sld xmlns:a="http://schemas.openxmlformats.org/drawingml/2006/main" xmlns:r="http://schemas.openxmlformats.org/officeDocument/2006/relationships" xmlns:p="http://schemas.openxmlformats.org/presentationml/2006/main">
+  <p:cSld>
+    <p:bg>
+      <p:bgPr>
+        <a:solidFill>
+          <a:schemeClr val="tx1"/>
+        </a:solidFill>
+        <a:effectLst/>
+      </p:bgPr>
+    </p:bg>
+    <p:spTree>
+      <p:nvGrpSpPr>
+        <p:cNvPr id="1" name=""/>
+        <p:cNvGrpSpPr/>
+        <p:nvPr/>
+      </p:nvGrpSpPr>
+      <p:grpSpPr>
+        <a:xfrm>
+          <a:off x="0" y="0"/>
+          <a:ext cx="0" cy="0"/>
+          <a:chOff x="0" y="0"/>
+          <a:chExt cx="0" cy="0"/>
+        </a:xfrm>
+      </p:grpSpPr>
+      <p:sp>
+        <p:nvSpPr>
+          <p:cNvPr id="135" name="Rectangle 134">
+            <a:extLst>
+              <a:ext uri="{FF2B5EF4-FFF2-40B4-BE49-F238E27FC236}">
+                <a16:creationId xmlns:a16="http://schemas.microsoft.com/office/drawing/2014/main" id="{867D4867-5BA7-4462-B2F6-A23F4A622AA7}"/>
+              </a:ext>
+              <a:ext uri="{C183D7F6-B498-43B3-948B-1728B52AA6E4}">
+                <adec:decorative xmlns:adec="http://schemas.microsoft.com/office/drawing/2017/decorative" val="1"/>
+              </a:ext>
+            </a:extLst>
+          </p:cNvPr>
+          <p:cNvSpPr>
+            <a:spLocks noGrp="1" noRot="1" noChangeAspect="1" noMove="1" noResize="1" noEditPoints="1" noAdjustHandles="1" noChangeArrowheads="1" noChangeShapeType="1" noTextEdit="1"/>
+          </p:cNvSpPr>
+          <p:nvPr>
+            <p:extLst>
+              <p:ext uri="{386F3935-93C4-4BCD-93E2-E3B085C9AB24}">
+                <p16:designElem xmlns:p16="http://schemas.microsoft.com/office/powerpoint/2015/main" val="1"/>
+              </p:ext>
+            </p:extLst>
+          </p:nvPr>
+        </p:nvSpPr>
+        <p:spPr>
+          <a:xfrm>
+            <a:off x="0" y="0"/>
+            <a:ext cx="4654296" cy="6858000"/>
+          </a:xfrm>
+          <a:prstGeom prst="rect">
+            <a:avLst/>
+          </a:prstGeom>
+          <a:solidFill>
+            <a:srgbClr val="3F3F3F"/>
+          </a:solidFill>
+          <a:ln>
+            <a:noFill/>
+          </a:ln>
+        </p:spPr>
+        <p:style>
+          <a:lnRef idx="0">
+            <a:scrgbClr r="0" g="0" b="0"/>
+          </a:lnRef>
+          <a:fillRef idx="0">
+            <a:scrgbClr r="0" g="0" b="0"/>
+          </a:fillRef>
+          <a:effectRef idx="0">
+            <a:scrgbClr r="0" g="0" b="0"/>
+          </a:effectRef>
+          <a:fontRef idx="minor">
+            <a:schemeClr val="lt1"/>
+          </a:fontRef>
+        </p:style>
+        <p:txBody>
+          <a:bodyPr rtlCol="0" anchor="ctr"/>
+          <a:lstStyle/>
+          <a:p>
+            <a:pPr algn="ctr"/>
+            <a:endParaRPr lang="en-US" dirty="0"/>
+          </a:p>
+        </p:txBody>
+      </p:sp>
+      <p:sp>
+        <p:nvSpPr>
+          <p:cNvPr id="2" name="제목 1">
+            <a:extLst>
+              <a:ext uri="{FF2B5EF4-FFF2-40B4-BE49-F238E27FC236}">
+                <a16:creationId xmlns:a16="http://schemas.microsoft.com/office/drawing/2014/main" id="{4E744930-30BA-4292-BEA7-3658BC5CE3EB}"/>
+              </a:ext>
+            </a:extLst>
+          </p:cNvPr>
+          <p:cNvSpPr>
+            <a:spLocks noGrp="1"/>
+          </p:cNvSpPr>
+          <p:nvPr>
+            <p:ph type="title"/>
+          </p:nvPr>
+        </p:nvSpPr>
+        <p:spPr>
+          <a:xfrm>
+            <a:off x="643468" y="623392"/>
+            <a:ext cx="3363974" cy="1607060"/>
+          </a:xfrm>
+          <a:noFill/>
+          <a:ln w="19050">
+            <a:solidFill>
+              <a:schemeClr val="tx1"/>
+            </a:solidFill>
+          </a:ln>
+        </p:spPr>
+        <p:txBody>
+          <a:bodyPr vert="horz" wrap="square" lIns="91440" tIns="45720" rIns="91440" bIns="45720" rtlCol="0" anchor="ctr">
+            <a:normAutofit/>
+          </a:bodyPr>
+          <a:lstStyle/>
+          <a:p>
+            <a:pPr algn="ctr" latinLnBrk="0"/>
+            <a:r>
+              <a:rPr lang="ko-KR" altLang="en-US" sz="2800" b="1" kern="1200" dirty="0">
+                <a:solidFill>
+                  <a:schemeClr val="tx1"/>
+                </a:solidFill>
+                <a:latin typeface="+mj-lt"/>
+                <a:ea typeface="+mj-ea"/>
+                <a:cs typeface="+mj-cs"/>
+              </a:rPr>
+              <a:t>구명보트</a:t>
+            </a:r>
+            <a:br>
+              <a:rPr lang="en-US" altLang="ko-KR" sz="2800" b="1" kern="1200" dirty="0">
+                <a:solidFill>
+                  <a:schemeClr val="tx1"/>
+                </a:solidFill>
+                <a:latin typeface="+mj-lt"/>
+                <a:ea typeface="+mj-ea"/>
+                <a:cs typeface="+mj-cs"/>
+              </a:rPr>
+            </a:br>
+            <a:endParaRPr lang="en-US" altLang="ko-KR" sz="2800" kern="1200" dirty="0">
+              <a:solidFill>
+                <a:schemeClr val="tx1"/>
+              </a:solidFill>
+              <a:latin typeface="+mj-lt"/>
+              <a:ea typeface="+mj-ea"/>
+              <a:cs typeface="+mj-cs"/>
+            </a:endParaRPr>
+          </a:p>
+        </p:txBody>
+      </p:sp>
+      <p:sp>
+        <p:nvSpPr>
+          <p:cNvPr id="3" name="내용 개체 틀 2">
+            <a:extLst>
+              <a:ext uri="{FF2B5EF4-FFF2-40B4-BE49-F238E27FC236}">
+                <a16:creationId xmlns:a16="http://schemas.microsoft.com/office/drawing/2014/main" id="{97FE6062-C2DF-4DC1-98BE-C8F190966A06}"/>
+              </a:ext>
+            </a:extLst>
+          </p:cNvPr>
+          <p:cNvSpPr>
+            <a:spLocks noGrp="1"/>
+          </p:cNvSpPr>
+          <p:nvPr>
+            <p:ph idx="1"/>
+          </p:nvPr>
+        </p:nvSpPr>
+        <p:spPr>
+          <a:xfrm>
+            <a:off x="643468" y="2638043"/>
+            <a:ext cx="3363974" cy="3415623"/>
+          </a:xfrm>
+        </p:spPr>
+        <p:txBody>
+          <a:bodyPr vert="horz" lIns="91440" tIns="45720" rIns="91440" bIns="45720" rtlCol="0">
+            <a:normAutofit/>
+          </a:bodyPr>
+          <a:lstStyle/>
+          <a:p>
+            <a:pPr marL="514350" indent="-457200" latinLnBrk="0">
+              <a:spcAft>
+                <a:spcPts val="600"/>
+              </a:spcAft>
+              <a:buFont typeface="+mj-lt"/>
+              <a:buAutoNum type="arabicPeriod"/>
+            </a:pPr>
+            <a:r>
+              <a:rPr lang="ko-KR" altLang="en-US" sz="2000" dirty="0"/>
+              <a:t>사람들을 몸무게 내림차순 정렬</a:t>
+            </a:r>
+            <a:endParaRPr lang="en-US" altLang="ko-KR" sz="2000" dirty="0"/>
+          </a:p>
+          <a:p>
+            <a:pPr marL="514350" indent="-457200" latinLnBrk="0">
+              <a:spcAft>
+                <a:spcPts val="600"/>
+              </a:spcAft>
+              <a:buFont typeface="+mj-lt"/>
+              <a:buAutoNum type="arabicPeriod"/>
+            </a:pPr>
+            <a:r>
+              <a:rPr lang="ko-KR" altLang="en-US" sz="2000" dirty="0"/>
+              <a:t>제일 뚱뚱한 사람과 제일 날씬한 사람이 무게제한을 넘는가</a:t>
+            </a:r>
+            <a:r>
+              <a:rPr lang="en-US" altLang="ko-KR" sz="2000" dirty="0"/>
+              <a:t>?</a:t>
+            </a:r>
+          </a:p>
+          <a:p>
+            <a:pPr marL="514350" indent="-457200" latinLnBrk="0">
+              <a:spcAft>
+                <a:spcPts val="600"/>
+              </a:spcAft>
+              <a:buFont typeface="+mj-lt"/>
+              <a:buAutoNum type="arabicPeriod"/>
+            </a:pPr>
+            <a:r>
+              <a:rPr lang="ko-KR" altLang="en-US" sz="2000" dirty="0"/>
+              <a:t>안 넘으면 같이 타고 넘으면 뚱뚱한 사람 혼자 탐</a:t>
+            </a:r>
+            <a:endParaRPr lang="en-US" altLang="ko-KR" sz="2000" dirty="0"/>
+          </a:p>
+          <a:p>
+            <a:pPr marL="514350" indent="-457200" latinLnBrk="0">
+              <a:spcAft>
+                <a:spcPts val="600"/>
+              </a:spcAft>
+              <a:buFont typeface="+mj-lt"/>
+              <a:buAutoNum type="arabicPeriod"/>
+            </a:pPr>
+            <a:endParaRPr lang="ko-KR" altLang="en-US" sz="2000" dirty="0"/>
+          </a:p>
+        </p:txBody>
+      </p:sp>
+      <p:pic>
+        <p:nvPicPr>
+          <p:cNvPr id="4" name="Picture 2" descr="보노보노에 대한 이미지 검색결과">
+            <a:extLst>
+              <a:ext uri="{FF2B5EF4-FFF2-40B4-BE49-F238E27FC236}">
+                <a16:creationId xmlns:a16="http://schemas.microsoft.com/office/drawing/2014/main" id="{BB9E5E23-897D-43E9-B5C3-AEA447472951}"/>
+              </a:ext>
+            </a:extLst>
+          </p:cNvPr>
+          <p:cNvPicPr>
+            <a:picLocks noChangeAspect="1" noChangeArrowheads="1"/>
+          </p:cNvPicPr>
+          <p:nvPr/>
+        </p:nvPicPr>
+        <p:blipFill>
+          <a:blip r:embed="rId3">
+            <a:extLst>
+              <a:ext uri="{28A0092B-C50C-407E-A947-70E740481C1C}">
+                <a14:useLocalDpi xmlns:a14="http://schemas.microsoft.com/office/drawing/2010/main" val="0"/>
+              </a:ext>
+            </a:extLst>
+          </a:blip>
+          <a:srcRect/>
+          <a:stretch>
+            <a:fillRect/>
+          </a:stretch>
+        </p:blipFill>
+        <p:spPr bwMode="auto">
+          <a:xfrm>
+            <a:off x="4785437" y="236765"/>
+            <a:ext cx="1773546" cy="2254508"/>
+          </a:xfrm>
+          <a:prstGeom prst="rect">
+            <a:avLst/>
+          </a:prstGeom>
+          <a:noFill/>
+          <a:extLst>
+            <a:ext uri="{909E8E84-426E-40DD-AFC4-6F175D3DCCD1}">
+              <a14:hiddenFill xmlns:a14="http://schemas.microsoft.com/office/drawing/2010/main">
+                <a:solidFill>
+                  <a:srgbClr val="FFFFFF"/>
+                </a:solidFill>
+              </a14:hiddenFill>
+            </a:ext>
+          </a:extLst>
+        </p:spPr>
+      </p:pic>
+      <p:pic>
+        <p:nvPicPr>
+          <p:cNvPr id="9" name="Picture 2" descr="보노보노에 대한 이미지 검색결과">
+            <a:extLst>
+              <a:ext uri="{FF2B5EF4-FFF2-40B4-BE49-F238E27FC236}">
+                <a16:creationId xmlns:a16="http://schemas.microsoft.com/office/drawing/2014/main" id="{829C7E2F-EE0C-44B2-81AB-404E44725EA6}"/>
+              </a:ext>
+            </a:extLst>
+          </p:cNvPr>
+          <p:cNvPicPr>
+            <a:picLocks noChangeAspect="1" noChangeArrowheads="1"/>
+          </p:cNvPicPr>
+          <p:nvPr/>
+        </p:nvPicPr>
+        <p:blipFill>
+          <a:blip r:embed="rId3">
+            <a:extLst>
+              <a:ext uri="{28A0092B-C50C-407E-A947-70E740481C1C}">
+                <a14:useLocalDpi xmlns:a14="http://schemas.microsoft.com/office/drawing/2010/main" val="0"/>
+              </a:ext>
+            </a:extLst>
+          </a:blip>
+          <a:srcRect/>
+          <a:stretch>
+            <a:fillRect/>
+          </a:stretch>
+        </p:blipFill>
+        <p:spPr bwMode="auto">
+          <a:xfrm>
+            <a:off x="6558983" y="236765"/>
+            <a:ext cx="1773546" cy="2254508"/>
+          </a:xfrm>
+          <a:prstGeom prst="rect">
+            <a:avLst/>
+          </a:prstGeom>
+          <a:noFill/>
+          <a:extLst>
+            <a:ext uri="{909E8E84-426E-40DD-AFC4-6F175D3DCCD1}">
+              <a14:hiddenFill xmlns:a14="http://schemas.microsoft.com/office/drawing/2010/main">
+                <a:solidFill>
+                  <a:srgbClr val="FFFFFF"/>
+                </a:solidFill>
+              </a14:hiddenFill>
+            </a:ext>
+          </a:extLst>
+        </p:spPr>
+      </p:pic>
+      <p:pic>
+        <p:nvPicPr>
+          <p:cNvPr id="10" name="Picture 2" descr="보노보노에 대한 이미지 검색결과">
+            <a:extLst>
+              <a:ext uri="{FF2B5EF4-FFF2-40B4-BE49-F238E27FC236}">
+                <a16:creationId xmlns:a16="http://schemas.microsoft.com/office/drawing/2014/main" id="{1AD04F9B-D227-4C98-8E29-6009515AB180}"/>
+              </a:ext>
+            </a:extLst>
+          </p:cNvPr>
+          <p:cNvPicPr>
+            <a:picLocks noChangeAspect="1" noChangeArrowheads="1"/>
+          </p:cNvPicPr>
+          <p:nvPr/>
+        </p:nvPicPr>
+        <p:blipFill>
+          <a:blip r:embed="rId3">
+            <a:extLst>
+              <a:ext uri="{28A0092B-C50C-407E-A947-70E740481C1C}">
+                <a14:useLocalDpi xmlns:a14="http://schemas.microsoft.com/office/drawing/2010/main" val="0"/>
+              </a:ext>
+            </a:extLst>
+          </a:blip>
+          <a:srcRect/>
+          <a:stretch>
+            <a:fillRect/>
+          </a:stretch>
+        </p:blipFill>
+        <p:spPr bwMode="auto">
+          <a:xfrm>
+            <a:off x="8332529" y="236765"/>
+            <a:ext cx="1773546" cy="2254508"/>
+          </a:xfrm>
+          <a:prstGeom prst="rect">
+            <a:avLst/>
+          </a:prstGeom>
+          <a:noFill/>
+          <a:extLst>
+            <a:ext uri="{909E8E84-426E-40DD-AFC4-6F175D3DCCD1}">
+              <a14:hiddenFill xmlns:a14="http://schemas.microsoft.com/office/drawing/2010/main">
+                <a:solidFill>
+                  <a:srgbClr val="FFFFFF"/>
+                </a:solidFill>
+              </a14:hiddenFill>
+            </a:ext>
+          </a:extLst>
+        </p:spPr>
+      </p:pic>
+      <p:pic>
+        <p:nvPicPr>
+          <p:cNvPr id="11" name="Picture 2" descr="보노보노에 대한 이미지 검색결과">
+            <a:extLst>
+              <a:ext uri="{FF2B5EF4-FFF2-40B4-BE49-F238E27FC236}">
+                <a16:creationId xmlns:a16="http://schemas.microsoft.com/office/drawing/2014/main" id="{8E78ABD8-C8FF-4C10-A636-362094AFF334}"/>
+              </a:ext>
+            </a:extLst>
+          </p:cNvPr>
+          <p:cNvPicPr>
+            <a:picLocks noChangeAspect="1" noChangeArrowheads="1"/>
+          </p:cNvPicPr>
+          <p:nvPr/>
+        </p:nvPicPr>
+        <p:blipFill>
+          <a:blip r:embed="rId3">
+            <a:extLst>
+              <a:ext uri="{28A0092B-C50C-407E-A947-70E740481C1C}">
+                <a14:useLocalDpi xmlns:a14="http://schemas.microsoft.com/office/drawing/2010/main" val="0"/>
+              </a:ext>
+            </a:extLst>
+          </a:blip>
+          <a:srcRect/>
+          <a:stretch>
+            <a:fillRect/>
+          </a:stretch>
+        </p:blipFill>
+        <p:spPr bwMode="auto">
+          <a:xfrm>
+            <a:off x="10106075" y="236765"/>
+            <a:ext cx="1773546" cy="2254508"/>
+          </a:xfrm>
+          <a:prstGeom prst="rect">
+            <a:avLst/>
+          </a:prstGeom>
+          <a:noFill/>
+          <a:extLst>
+            <a:ext uri="{909E8E84-426E-40DD-AFC4-6F175D3DCCD1}">
+              <a14:hiddenFill xmlns:a14="http://schemas.microsoft.com/office/drawing/2010/main">
+                <a:solidFill>
+                  <a:srgbClr val="FFFFFF"/>
+                </a:solidFill>
+              </a14:hiddenFill>
+            </a:ext>
+          </a:extLst>
+        </p:spPr>
+      </p:pic>
+      <p:pic>
+        <p:nvPicPr>
+          <p:cNvPr id="1028" name="Picture 4" descr="돛단배 아이콘에 대한 이미지 검색결과">
+            <a:extLst>
+              <a:ext uri="{FF2B5EF4-FFF2-40B4-BE49-F238E27FC236}">
+                <a16:creationId xmlns:a16="http://schemas.microsoft.com/office/drawing/2014/main" id="{E1A8F29E-EEAE-43A0-BD54-DF80CCF3B694}"/>
+              </a:ext>
+            </a:extLst>
+          </p:cNvPr>
+          <p:cNvPicPr>
+            <a:picLocks noChangeAspect="1" noChangeArrowheads="1"/>
+          </p:cNvPicPr>
+          <p:nvPr/>
+        </p:nvPicPr>
+        <p:blipFill>
+          <a:blip r:embed="rId4">
+            <a:extLst>
+              <a:ext uri="{28A0092B-C50C-407E-A947-70E740481C1C}">
+                <a14:useLocalDpi xmlns:a14="http://schemas.microsoft.com/office/drawing/2010/main" val="0"/>
+              </a:ext>
+            </a:extLst>
+          </a:blip>
+          <a:srcRect/>
+          <a:stretch>
+            <a:fillRect/>
+          </a:stretch>
+        </p:blipFill>
+        <p:spPr bwMode="auto">
+          <a:xfrm>
+            <a:off x="7611908" y="4598263"/>
+            <a:ext cx="1762125" cy="1905000"/>
+          </a:xfrm>
+          <a:prstGeom prst="rect">
+            <a:avLst/>
+          </a:prstGeom>
+          <a:noFill/>
+          <a:extLst>
+            <a:ext uri="{909E8E84-426E-40DD-AFC4-6F175D3DCCD1}">
+              <a14:hiddenFill xmlns:a14="http://schemas.microsoft.com/office/drawing/2010/main">
+                <a:solidFill>
+                  <a:srgbClr val="FFFFFF"/>
+                </a:solidFill>
+              </a14:hiddenFill>
+            </a:ext>
+          </a:extLst>
+        </p:spPr>
+      </p:pic>
+      <p:sp>
+        <p:nvSpPr>
+          <p:cNvPr id="17" name="TextBox 16">
+            <a:extLst>
+              <a:ext uri="{FF2B5EF4-FFF2-40B4-BE49-F238E27FC236}">
+                <a16:creationId xmlns:a16="http://schemas.microsoft.com/office/drawing/2014/main" id="{77568F38-A1B1-4E79-94B5-7295252546F3}"/>
+              </a:ext>
+            </a:extLst>
+          </p:cNvPr>
+          <p:cNvSpPr txBox="1"/>
+          <p:nvPr/>
+        </p:nvSpPr>
+        <p:spPr>
+          <a:xfrm>
+            <a:off x="8113525" y="6272430"/>
+            <a:ext cx="758890" cy="461665"/>
+          </a:xfrm>
+          <a:prstGeom prst="rect">
+            <a:avLst/>
+          </a:prstGeom>
+          <a:noFill/>
+        </p:spPr>
+        <p:txBody>
+          <a:bodyPr wrap="square" rtlCol="0">
+            <a:spAutoFit/>
+          </a:bodyPr>
+          <a:lstStyle/>
+          <a:p>
+            <a:pPr algn="ctr"/>
+            <a:r>
+              <a:rPr lang="en-US" altLang="ko-KR" sz="2400" b="1" dirty="0">
+                <a:solidFill>
+                  <a:schemeClr val="bg1"/>
+                </a:solidFill>
+              </a:rPr>
+              <a:t>100</a:t>
+            </a:r>
+            <a:endParaRPr lang="ko-KR" altLang="en-US" sz="2400" b="1" dirty="0">
+              <a:solidFill>
+                <a:schemeClr val="bg1"/>
+              </a:solidFill>
+            </a:endParaRPr>
+          </a:p>
+        </p:txBody>
+      </p:sp>
+      <p:sp>
+        <p:nvSpPr>
+          <p:cNvPr id="13" name="TextBox 12">
+            <a:extLst>
+              <a:ext uri="{FF2B5EF4-FFF2-40B4-BE49-F238E27FC236}">
+                <a16:creationId xmlns:a16="http://schemas.microsoft.com/office/drawing/2014/main" id="{E7738E77-E16A-48E9-B691-F8206669BF63}"/>
+              </a:ext>
+            </a:extLst>
+          </p:cNvPr>
+          <p:cNvSpPr txBox="1"/>
+          <p:nvPr/>
+        </p:nvSpPr>
+        <p:spPr>
+          <a:xfrm>
+            <a:off x="7110656" y="1632857"/>
+            <a:ext cx="758890" cy="461665"/>
+          </a:xfrm>
+          <a:prstGeom prst="rect">
+            <a:avLst/>
+          </a:prstGeom>
+          <a:noFill/>
+        </p:spPr>
+        <p:txBody>
+          <a:bodyPr wrap="square" rtlCol="0">
+            <a:spAutoFit/>
+          </a:bodyPr>
+          <a:lstStyle/>
+          <a:p>
+            <a:pPr algn="ctr"/>
+            <a:r>
+              <a:rPr lang="en-US" altLang="ko-KR" sz="2400" b="1" dirty="0">
+                <a:solidFill>
+                  <a:schemeClr val="bg1"/>
+                </a:solidFill>
+              </a:rPr>
+              <a:t>50</a:t>
+            </a:r>
+            <a:endParaRPr lang="ko-KR" altLang="en-US" sz="2400" b="1" dirty="0">
+              <a:solidFill>
+                <a:schemeClr val="bg1"/>
+              </a:solidFill>
+            </a:endParaRPr>
+          </a:p>
+        </p:txBody>
+      </p:sp>
+      <p:pic>
+        <p:nvPicPr>
+          <p:cNvPr id="29" name="Picture 2">
+            <a:extLst>
+              <a:ext uri="{FF2B5EF4-FFF2-40B4-BE49-F238E27FC236}">
+                <a16:creationId xmlns:a16="http://schemas.microsoft.com/office/drawing/2014/main" id="{0BB50D64-C659-4DC7-A4E9-57BE50B04B9E}"/>
+              </a:ext>
+            </a:extLst>
+          </p:cNvPr>
+          <p:cNvPicPr>
+            <a:picLocks noChangeAspect="1" noChangeArrowheads="1"/>
+          </p:cNvPicPr>
+          <p:nvPr/>
+        </p:nvPicPr>
+        <p:blipFill>
+          <a:blip r:embed="rId5">
+            <a:extLst>
+              <a:ext uri="{28A0092B-C50C-407E-A947-70E740481C1C}">
+                <a14:useLocalDpi xmlns:a14="http://schemas.microsoft.com/office/drawing/2010/main" val="0"/>
+              </a:ext>
+            </a:extLst>
+          </a:blip>
+          <a:srcRect/>
+          <a:stretch>
+            <a:fillRect/>
+          </a:stretch>
+        </p:blipFill>
+        <p:spPr bwMode="auto">
+          <a:xfrm>
+            <a:off x="10286163" y="1154710"/>
+            <a:ext cx="1417955" cy="1417955"/>
+          </a:xfrm>
+          <a:prstGeom prst="rect">
+            <a:avLst/>
+          </a:prstGeom>
+          <a:noFill/>
+          <a:extLst>
+            <a:ext uri="{909E8E84-426E-40DD-AFC4-6F175D3DCCD1}">
+              <a14:hiddenFill xmlns:a14="http://schemas.microsoft.com/office/drawing/2010/main">
+                <a:solidFill>
+                  <a:srgbClr val="FFFFFF"/>
+                </a:solidFill>
+              </a14:hiddenFill>
+            </a:ext>
+          </a:extLst>
+        </p:spPr>
+      </p:pic>
+      <p:pic>
+        <p:nvPicPr>
+          <p:cNvPr id="28" name="Picture 2">
+            <a:extLst>
+              <a:ext uri="{FF2B5EF4-FFF2-40B4-BE49-F238E27FC236}">
+                <a16:creationId xmlns:a16="http://schemas.microsoft.com/office/drawing/2014/main" id="{2DFF5547-4751-40CC-97FF-A84E581B6523}"/>
+              </a:ext>
+            </a:extLst>
+          </p:cNvPr>
+          <p:cNvPicPr>
+            <a:picLocks noChangeAspect="1" noChangeArrowheads="1"/>
+          </p:cNvPicPr>
+          <p:nvPr/>
+        </p:nvPicPr>
+        <p:blipFill>
+          <a:blip r:embed="rId5">
+            <a:extLst>
+              <a:ext uri="{28A0092B-C50C-407E-A947-70E740481C1C}">
+                <a14:useLocalDpi xmlns:a14="http://schemas.microsoft.com/office/drawing/2010/main" val="0"/>
+              </a:ext>
+            </a:extLst>
+          </a:blip>
+          <a:srcRect/>
+          <a:stretch>
+            <a:fillRect/>
+          </a:stretch>
+        </p:blipFill>
+        <p:spPr bwMode="auto">
+          <a:xfrm>
+            <a:off x="4963232" y="1154710"/>
+            <a:ext cx="1417955" cy="1417955"/>
+          </a:xfrm>
+          <a:prstGeom prst="rect">
+            <a:avLst/>
+          </a:prstGeom>
+          <a:noFill/>
+          <a:extLst>
+            <a:ext uri="{909E8E84-426E-40DD-AFC4-6F175D3DCCD1}">
+              <a14:hiddenFill xmlns:a14="http://schemas.microsoft.com/office/drawing/2010/main">
+                <a:solidFill>
+                  <a:srgbClr val="FFFFFF"/>
+                </a:solidFill>
+              </a14:hiddenFill>
+            </a:ext>
+          </a:extLst>
+        </p:spPr>
+      </p:pic>
+      <p:sp>
+        <p:nvSpPr>
+          <p:cNvPr id="15" name="TextBox 14">
+            <a:extLst>
+              <a:ext uri="{FF2B5EF4-FFF2-40B4-BE49-F238E27FC236}">
+                <a16:creationId xmlns:a16="http://schemas.microsoft.com/office/drawing/2014/main" id="{707C3CBC-DAE8-480D-8FDA-8E087673C818}"/>
+              </a:ext>
+            </a:extLst>
+          </p:cNvPr>
+          <p:cNvSpPr txBox="1"/>
+          <p:nvPr/>
+        </p:nvSpPr>
+        <p:spPr>
+          <a:xfrm>
+            <a:off x="10613403" y="1632857"/>
+            <a:ext cx="758890" cy="461665"/>
+          </a:xfrm>
+          <a:prstGeom prst="rect">
+            <a:avLst/>
+          </a:prstGeom>
+          <a:noFill/>
+        </p:spPr>
+        <p:txBody>
+          <a:bodyPr wrap="square" rtlCol="0">
+            <a:spAutoFit/>
+          </a:bodyPr>
+          <a:lstStyle/>
+          <a:p>
+            <a:pPr algn="ctr"/>
+            <a:r>
+              <a:rPr lang="en-US" altLang="ko-KR" sz="2400" b="1" dirty="0">
+                <a:solidFill>
+                  <a:schemeClr val="bg1"/>
+                </a:solidFill>
+              </a:rPr>
+              <a:t>80</a:t>
+            </a:r>
+            <a:endParaRPr lang="ko-KR" altLang="en-US" sz="2400" b="1" dirty="0">
+              <a:solidFill>
+                <a:schemeClr val="bg1"/>
+              </a:solidFill>
+            </a:endParaRPr>
+          </a:p>
+        </p:txBody>
+      </p:sp>
+      <p:pic>
+        <p:nvPicPr>
+          <p:cNvPr id="30" name="Picture 2">
+            <a:extLst>
+              <a:ext uri="{FF2B5EF4-FFF2-40B4-BE49-F238E27FC236}">
+                <a16:creationId xmlns:a16="http://schemas.microsoft.com/office/drawing/2014/main" id="{30BA7319-8B5A-4262-A37D-12F6C86F8C44}"/>
+              </a:ext>
+            </a:extLst>
+          </p:cNvPr>
+          <p:cNvPicPr>
+            <a:picLocks noChangeAspect="1" noChangeArrowheads="1"/>
+          </p:cNvPicPr>
+          <p:nvPr/>
+        </p:nvPicPr>
+        <p:blipFill>
+          <a:blip r:embed="rId5">
+            <a:extLst>
+              <a:ext uri="{28A0092B-C50C-407E-A947-70E740481C1C}">
+                <a14:useLocalDpi xmlns:a14="http://schemas.microsoft.com/office/drawing/2010/main" val="0"/>
+              </a:ext>
+            </a:extLst>
+          </a:blip>
+          <a:srcRect/>
+          <a:stretch>
+            <a:fillRect/>
+          </a:stretch>
+        </p:blipFill>
+        <p:spPr bwMode="auto">
+          <a:xfrm>
+            <a:off x="4962086" y="1154710"/>
+            <a:ext cx="1417955" cy="1417955"/>
+          </a:xfrm>
+          <a:prstGeom prst="rect">
+            <a:avLst/>
+          </a:prstGeom>
+          <a:noFill/>
+          <a:extLst>
+            <a:ext uri="{909E8E84-426E-40DD-AFC4-6F175D3DCCD1}">
+              <a14:hiddenFill xmlns:a14="http://schemas.microsoft.com/office/drawing/2010/main">
+                <a:solidFill>
+                  <a:srgbClr val="FFFFFF"/>
+                </a:solidFill>
+              </a14:hiddenFill>
+            </a:ext>
+          </a:extLst>
+        </p:spPr>
+      </p:pic>
+      <p:pic>
+        <p:nvPicPr>
+          <p:cNvPr id="31" name="Picture 2">
+            <a:extLst>
+              <a:ext uri="{FF2B5EF4-FFF2-40B4-BE49-F238E27FC236}">
+                <a16:creationId xmlns:a16="http://schemas.microsoft.com/office/drawing/2014/main" id="{B55C298B-6436-4267-88E3-4519001B378B}"/>
+              </a:ext>
+            </a:extLst>
+          </p:cNvPr>
+          <p:cNvPicPr>
+            <a:picLocks noChangeAspect="1" noChangeArrowheads="1"/>
+          </p:cNvPicPr>
+          <p:nvPr/>
+        </p:nvPicPr>
+        <p:blipFill>
+          <a:blip r:embed="rId5">
+            <a:extLst>
+              <a:ext uri="{28A0092B-C50C-407E-A947-70E740481C1C}">
+                <a14:useLocalDpi xmlns:a14="http://schemas.microsoft.com/office/drawing/2010/main" val="0"/>
+              </a:ext>
+            </a:extLst>
+          </a:blip>
+          <a:srcRect/>
+          <a:stretch>
+            <a:fillRect/>
+          </a:stretch>
+        </p:blipFill>
+        <p:spPr bwMode="auto">
+          <a:xfrm>
+            <a:off x="8510324" y="1154710"/>
+            <a:ext cx="1417955" cy="1417955"/>
+          </a:xfrm>
+          <a:prstGeom prst="rect">
+            <a:avLst/>
+          </a:prstGeom>
+          <a:noFill/>
+          <a:extLst>
+            <a:ext uri="{909E8E84-426E-40DD-AFC4-6F175D3DCCD1}">
+              <a14:hiddenFill xmlns:a14="http://schemas.microsoft.com/office/drawing/2010/main">
+                <a:solidFill>
+                  <a:srgbClr val="FFFFFF"/>
+                </a:solidFill>
+              </a14:hiddenFill>
+            </a:ext>
+          </a:extLst>
+        </p:spPr>
+      </p:pic>
+      <p:sp>
+        <p:nvSpPr>
+          <p:cNvPr id="14" name="TextBox 13">
+            <a:extLst>
+              <a:ext uri="{FF2B5EF4-FFF2-40B4-BE49-F238E27FC236}">
+                <a16:creationId xmlns:a16="http://schemas.microsoft.com/office/drawing/2014/main" id="{55D5C366-0557-4798-AF03-4C7F7BA6FC37}"/>
+              </a:ext>
+            </a:extLst>
+          </p:cNvPr>
+          <p:cNvSpPr txBox="1"/>
+          <p:nvPr/>
+        </p:nvSpPr>
+        <p:spPr>
+          <a:xfrm>
+            <a:off x="8839857" y="1632857"/>
+            <a:ext cx="758890" cy="461665"/>
+          </a:xfrm>
+          <a:prstGeom prst="rect">
+            <a:avLst/>
+          </a:prstGeom>
+          <a:noFill/>
+        </p:spPr>
+        <p:txBody>
+          <a:bodyPr wrap="square" rtlCol="0">
+            <a:spAutoFit/>
+          </a:bodyPr>
+          <a:lstStyle/>
+          <a:p>
+            <a:pPr algn="ctr"/>
+            <a:r>
+              <a:rPr lang="en-US" altLang="ko-KR" sz="2400" b="1" dirty="0">
+                <a:solidFill>
+                  <a:schemeClr val="bg1"/>
+                </a:solidFill>
+              </a:rPr>
+              <a:t>70</a:t>
+            </a:r>
+            <a:endParaRPr lang="ko-KR" altLang="en-US" sz="2400" b="1" dirty="0">
+              <a:solidFill>
+                <a:schemeClr val="bg1"/>
+              </a:solidFill>
+            </a:endParaRPr>
+          </a:p>
+        </p:txBody>
+      </p:sp>
+      <p:pic>
+        <p:nvPicPr>
+          <p:cNvPr id="32" name="Picture 2">
+            <a:extLst>
+              <a:ext uri="{FF2B5EF4-FFF2-40B4-BE49-F238E27FC236}">
+                <a16:creationId xmlns:a16="http://schemas.microsoft.com/office/drawing/2014/main" id="{99D4512F-994B-4AAE-9760-BA642EABD5B5}"/>
+              </a:ext>
+            </a:extLst>
+          </p:cNvPr>
+          <p:cNvPicPr>
+            <a:picLocks noChangeAspect="1" noChangeArrowheads="1"/>
+          </p:cNvPicPr>
+          <p:nvPr/>
+        </p:nvPicPr>
+        <p:blipFill>
+          <a:blip r:embed="rId5">
+            <a:extLst>
+              <a:ext uri="{28A0092B-C50C-407E-A947-70E740481C1C}">
+                <a14:useLocalDpi xmlns:a14="http://schemas.microsoft.com/office/drawing/2010/main" val="0"/>
+              </a:ext>
+            </a:extLst>
+          </a:blip>
+          <a:srcRect/>
+          <a:stretch>
+            <a:fillRect/>
+          </a:stretch>
+        </p:blipFill>
+        <p:spPr bwMode="auto">
+          <a:xfrm>
+            <a:off x="4958646" y="1154708"/>
+            <a:ext cx="1417955" cy="1417955"/>
+          </a:xfrm>
+          <a:prstGeom prst="rect">
+            <a:avLst/>
+          </a:prstGeom>
+          <a:noFill/>
+          <a:extLst>
+            <a:ext uri="{909E8E84-426E-40DD-AFC4-6F175D3DCCD1}">
+              <a14:hiddenFill xmlns:a14="http://schemas.microsoft.com/office/drawing/2010/main">
+                <a:solidFill>
+                  <a:srgbClr val="FFFFFF"/>
+                </a:solidFill>
+              </a14:hiddenFill>
+            </a:ext>
+          </a:extLst>
+        </p:spPr>
+      </p:pic>
+      <p:pic>
+        <p:nvPicPr>
+          <p:cNvPr id="33" name="Picture 2">
+            <a:extLst>
+              <a:ext uri="{FF2B5EF4-FFF2-40B4-BE49-F238E27FC236}">
+                <a16:creationId xmlns:a16="http://schemas.microsoft.com/office/drawing/2014/main" id="{B3E7BF44-84EC-499F-8655-EBCF10820691}"/>
+              </a:ext>
+            </a:extLst>
+          </p:cNvPr>
+          <p:cNvPicPr>
+            <a:picLocks noChangeAspect="1" noChangeArrowheads="1"/>
+          </p:cNvPicPr>
+          <p:nvPr/>
+        </p:nvPicPr>
+        <p:blipFill>
+          <a:blip r:embed="rId5">
+            <a:extLst>
+              <a:ext uri="{28A0092B-C50C-407E-A947-70E740481C1C}">
+                <a14:useLocalDpi xmlns:a14="http://schemas.microsoft.com/office/drawing/2010/main" val="0"/>
+              </a:ext>
+            </a:extLst>
+          </a:blip>
+          <a:srcRect/>
+          <a:stretch>
+            <a:fillRect/>
+          </a:stretch>
+        </p:blipFill>
+        <p:spPr bwMode="auto">
+          <a:xfrm>
+            <a:off x="6734485" y="1154709"/>
+            <a:ext cx="1417955" cy="1417955"/>
+          </a:xfrm>
+          <a:prstGeom prst="rect">
+            <a:avLst/>
+          </a:prstGeom>
+          <a:noFill/>
+          <a:extLst>
+            <a:ext uri="{909E8E84-426E-40DD-AFC4-6F175D3DCCD1}">
+              <a14:hiddenFill xmlns:a14="http://schemas.microsoft.com/office/drawing/2010/main">
+                <a:solidFill>
+                  <a:srgbClr val="FFFFFF"/>
+                </a:solidFill>
+              </a14:hiddenFill>
+            </a:ext>
+          </a:extLst>
+        </p:spPr>
+      </p:pic>
+      <p:sp>
+        <p:nvSpPr>
+          <p:cNvPr id="5" name="TextBox 4">
+            <a:extLst>
+              <a:ext uri="{FF2B5EF4-FFF2-40B4-BE49-F238E27FC236}">
+                <a16:creationId xmlns:a16="http://schemas.microsoft.com/office/drawing/2014/main" id="{43AA2D16-1CD0-437B-BCCF-B6721E5898EE}"/>
+              </a:ext>
+            </a:extLst>
+          </p:cNvPr>
+          <p:cNvSpPr txBox="1"/>
+          <p:nvPr/>
+        </p:nvSpPr>
+        <p:spPr>
+          <a:xfrm>
+            <a:off x="5337110" y="1632857"/>
+            <a:ext cx="758890" cy="461665"/>
+          </a:xfrm>
+          <a:prstGeom prst="rect">
+            <a:avLst/>
+          </a:prstGeom>
+          <a:noFill/>
+        </p:spPr>
+        <p:txBody>
+          <a:bodyPr wrap="square" rtlCol="0">
+            <a:spAutoFit/>
+          </a:bodyPr>
+          <a:lstStyle/>
+          <a:p>
+            <a:pPr algn="ctr"/>
+            <a:r>
+              <a:rPr lang="en-US" altLang="ko-KR" sz="2400" b="1" dirty="0">
+                <a:solidFill>
+                  <a:schemeClr val="bg1"/>
+                </a:solidFill>
+              </a:rPr>
+              <a:t>50</a:t>
+            </a:r>
+            <a:endParaRPr lang="ko-KR" altLang="en-US" sz="2400" b="1" dirty="0">
+              <a:solidFill>
+                <a:schemeClr val="bg1"/>
+              </a:solidFill>
+            </a:endParaRPr>
+          </a:p>
+        </p:txBody>
+      </p:sp>
+    </p:spTree>
+    <p:extLst>
+      <p:ext uri="{BB962C8B-B14F-4D97-AF65-F5344CB8AC3E}">
+        <p14:creationId xmlns:p14="http://schemas.microsoft.com/office/powerpoint/2010/main" val="2714207280"/>
+      </p:ext>
+    </p:extLst>
+  </p:cSld>
+  <p:clrMapOvr>
+    <a:overrideClrMapping bg1="dk1" tx1="lt1" bg2="dk2" tx2="lt2" accent1="accent1" accent2="accent2" accent3="accent3" accent4="accent4" accent5="accent5" accent6="accent6" hlink="hlink" folHlink="folHlink"/>
+  </p:clrMapOvr>
+  <p:timing>
+    <p:tnLst>
+      <p:par>
+        <p:cTn id="1" dur="indefinite" restart="never" nodeType="tmRoot">
+          <p:childTnLst>
+            <p:seq concurrent="1" nextAc="seek">
+              <p:cTn id="2" dur="indefinite" nodeType="mainSeq">
+                <p:childTnLst>
+                  <p:par>
+                    <p:cTn id="3" fill="hold">
+                      <p:stCondLst>
+                        <p:cond delay="indefinite"/>
+                      </p:stCondLst>
+                      <p:childTnLst>
+                        <p:par>
+                          <p:cTn id="4" fill="hold">
+                            <p:stCondLst>
+                              <p:cond delay="0"/>
+                            </p:stCondLst>
+                            <p:childTnLst>
+                              <p:par>
+                                <p:cTn id="5" presetID="1" presetClass="entr" presetSubtype="0" fill="hold" nodeType="clickEffect">
+                                  <p:stCondLst>
+                                    <p:cond delay="0"/>
+                                  </p:stCondLst>
+                                  <p:childTnLst>
+                                    <p:set>
+                                      <p:cBhvr>
+                                        <p:cTn id="6" dur="1" fill="hold">
+                                          <p:stCondLst>
+                                            <p:cond delay="0"/>
+                                          </p:stCondLst>
+                                        </p:cTn>
+                                        <p:tgtEl>
+                                          <p:spTgt spid="28"/>
+                                        </p:tgtEl>
+                                        <p:attrNameLst>
+                                          <p:attrName>style.visibility</p:attrName>
+                                        </p:attrNameLst>
+                                      </p:cBhvr>
+                                      <p:to>
+                                        <p:strVal val="visible"/>
+                                      </p:to>
+                                    </p:set>
+                                  </p:childTnLst>
+                                </p:cTn>
+                              </p:par>
+                              <p:par>
+                                <p:cTn id="7" presetID="1" presetClass="entr" presetSubtype="0" fill="hold" nodeType="withEffect">
+                                  <p:stCondLst>
+                                    <p:cond delay="0"/>
+                                  </p:stCondLst>
+                                  <p:childTnLst>
+                                    <p:set>
+                                      <p:cBhvr>
+                                        <p:cTn id="8" dur="1" fill="hold">
+                                          <p:stCondLst>
+                                            <p:cond delay="0"/>
+                                          </p:stCondLst>
+                                        </p:cTn>
+                                        <p:tgtEl>
+                                          <p:spTgt spid="29"/>
+                                        </p:tgtEl>
+                                        <p:attrNameLst>
+                                          <p:attrName>style.visibility</p:attrName>
+                                        </p:attrNameLst>
+                                      </p:cBhvr>
+                                      <p:to>
+                                        <p:strVal val="visible"/>
+                                      </p:to>
+                                    </p:set>
+                                  </p:childTnLst>
+                                </p:cTn>
+                              </p:par>
+                            </p:childTnLst>
+                          </p:cTn>
+                        </p:par>
+                      </p:childTnLst>
+                    </p:cTn>
+                  </p:par>
+                  <p:par>
+                    <p:cTn id="9" fill="hold">
+                      <p:stCondLst>
+                        <p:cond delay="indefinite"/>
+                      </p:stCondLst>
+                      <p:childTnLst>
+                        <p:par>
+                          <p:cTn id="10" fill="hold">
+                            <p:stCondLst>
+                              <p:cond delay="0"/>
+                            </p:stCondLst>
+                            <p:childTnLst>
+                              <p:par>
+                                <p:cTn id="11" presetID="1" presetClass="exit" presetSubtype="0" fill="hold" nodeType="clickEffect">
+                                  <p:stCondLst>
+                                    <p:cond delay="0"/>
+                                  </p:stCondLst>
+                                  <p:childTnLst>
+                                    <p:set>
+                                      <p:cBhvr>
+                                        <p:cTn id="12" dur="1" fill="hold">
+                                          <p:stCondLst>
+                                            <p:cond delay="0"/>
+                                          </p:stCondLst>
+                                        </p:cTn>
+                                        <p:tgtEl>
+                                          <p:spTgt spid="29"/>
+                                        </p:tgtEl>
+                                        <p:attrNameLst>
+                                          <p:attrName>style.visibility</p:attrName>
+                                        </p:attrNameLst>
+                                      </p:cBhvr>
+                                      <p:to>
+                                        <p:strVal val="hidden"/>
+                                      </p:to>
+                                    </p:set>
+                                  </p:childTnLst>
+                                </p:cTn>
+                              </p:par>
+                              <p:par>
+                                <p:cTn id="13" presetID="1" presetClass="exit" presetSubtype="0" fill="hold" nodeType="withEffect">
+                                  <p:stCondLst>
+                                    <p:cond delay="0"/>
+                                  </p:stCondLst>
+                                  <p:childTnLst>
+                                    <p:set>
+                                      <p:cBhvr>
+                                        <p:cTn id="14" dur="1" fill="hold">
+                                          <p:stCondLst>
+                                            <p:cond delay="0"/>
+                                          </p:stCondLst>
+                                        </p:cTn>
+                                        <p:tgtEl>
+                                          <p:spTgt spid="11"/>
+                                        </p:tgtEl>
+                                        <p:attrNameLst>
+                                          <p:attrName>style.visibility</p:attrName>
+                                        </p:attrNameLst>
+                                      </p:cBhvr>
+                                      <p:to>
+                                        <p:strVal val="hidden"/>
+                                      </p:to>
+                                    </p:set>
+                                  </p:childTnLst>
+                                </p:cTn>
+                              </p:par>
+                              <p:par>
+                                <p:cTn id="15" presetID="1" presetClass="exit" presetSubtype="0" fill="hold" grpId="0" nodeType="withEffect">
+                                  <p:stCondLst>
+                                    <p:cond delay="0"/>
+                                  </p:stCondLst>
+                                  <p:childTnLst>
+                                    <p:set>
+                                      <p:cBhvr>
+                                        <p:cTn id="16" dur="1" fill="hold">
+                                          <p:stCondLst>
+                                            <p:cond delay="0"/>
+                                          </p:stCondLst>
+                                        </p:cTn>
+                                        <p:tgtEl>
+                                          <p:spTgt spid="15"/>
+                                        </p:tgtEl>
+                                        <p:attrNameLst>
+                                          <p:attrName>style.visibility</p:attrName>
+                                        </p:attrNameLst>
+                                      </p:cBhvr>
+                                      <p:to>
+                                        <p:strVal val="hidden"/>
+                                      </p:to>
+                                    </p:set>
+                                  </p:childTnLst>
+                                </p:cTn>
+                              </p:par>
+                              <p:par>
+                                <p:cTn id="17" presetID="1" presetClass="exit" presetSubtype="0" fill="hold" nodeType="withEffect">
+                                  <p:stCondLst>
+                                    <p:cond delay="0"/>
+                                  </p:stCondLst>
+                                  <p:childTnLst>
+                                    <p:set>
+                                      <p:cBhvr>
+                                        <p:cTn id="18" dur="1" fill="hold">
+                                          <p:stCondLst>
+                                            <p:cond delay="0"/>
+                                          </p:stCondLst>
+                                        </p:cTn>
+                                        <p:tgtEl>
+                                          <p:spTgt spid="28"/>
+                                        </p:tgtEl>
+                                        <p:attrNameLst>
+                                          <p:attrName>style.visibility</p:attrName>
+                                        </p:attrNameLst>
+                                      </p:cBhvr>
+                                      <p:to>
+                                        <p:strVal val="hidden"/>
+                                      </p:to>
+                                    </p:set>
+                                  </p:childTnLst>
+                                </p:cTn>
+                              </p:par>
+                            </p:childTnLst>
+                          </p:cTn>
+                        </p:par>
+                      </p:childTnLst>
+                    </p:cTn>
+                  </p:par>
+                  <p:par>
+                    <p:cTn id="19" fill="hold">
+                      <p:stCondLst>
+                        <p:cond delay="indefinite"/>
+                      </p:stCondLst>
+                      <p:childTnLst>
+                        <p:par>
+                          <p:cTn id="20" fill="hold">
+                            <p:stCondLst>
+                              <p:cond delay="0"/>
+                            </p:stCondLst>
+                            <p:childTnLst>
+                              <p:par>
+                                <p:cTn id="21" presetID="1" presetClass="entr" presetSubtype="0" fill="hold" nodeType="clickEffect">
+                                  <p:stCondLst>
+                                    <p:cond delay="0"/>
+                                  </p:stCondLst>
+                                  <p:childTnLst>
+                                    <p:set>
+                                      <p:cBhvr>
+                                        <p:cTn id="22" dur="1" fill="hold">
+                                          <p:stCondLst>
+                                            <p:cond delay="0"/>
+                                          </p:stCondLst>
+                                        </p:cTn>
+                                        <p:tgtEl>
+                                          <p:spTgt spid="31"/>
+                                        </p:tgtEl>
+                                        <p:attrNameLst>
+                                          <p:attrName>style.visibility</p:attrName>
+                                        </p:attrNameLst>
+                                      </p:cBhvr>
+                                      <p:to>
+                                        <p:strVal val="visible"/>
+                                      </p:to>
+                                    </p:set>
+                                  </p:childTnLst>
+                                </p:cTn>
+                              </p:par>
+                              <p:par>
+                                <p:cTn id="23" presetID="1" presetClass="entr" presetSubtype="0" fill="hold" nodeType="withEffect">
+                                  <p:stCondLst>
+                                    <p:cond delay="0"/>
+                                  </p:stCondLst>
+                                  <p:childTnLst>
+                                    <p:set>
+                                      <p:cBhvr>
+                                        <p:cTn id="24" dur="1" fill="hold">
+                                          <p:stCondLst>
+                                            <p:cond delay="0"/>
+                                          </p:stCondLst>
+                                        </p:cTn>
+                                        <p:tgtEl>
+                                          <p:spTgt spid="30"/>
+                                        </p:tgtEl>
+                                        <p:attrNameLst>
+                                          <p:attrName>style.visibility</p:attrName>
+                                        </p:attrNameLst>
+                                      </p:cBhvr>
+                                      <p:to>
+                                        <p:strVal val="visible"/>
+                                      </p:to>
+                                    </p:set>
+                                  </p:childTnLst>
+                                </p:cTn>
+                              </p:par>
+                            </p:childTnLst>
+                          </p:cTn>
+                        </p:par>
+                      </p:childTnLst>
+                    </p:cTn>
+                  </p:par>
+                  <p:par>
+                    <p:cTn id="25" fill="hold">
+                      <p:stCondLst>
+                        <p:cond delay="indefinite"/>
+                      </p:stCondLst>
+                      <p:childTnLst>
+                        <p:par>
+                          <p:cTn id="26" fill="hold">
+                            <p:stCondLst>
+                              <p:cond delay="0"/>
+                            </p:stCondLst>
+                            <p:childTnLst>
+                              <p:par>
+                                <p:cTn id="27" presetID="1" presetClass="exit" presetSubtype="0" fill="hold" nodeType="clickEffect">
+                                  <p:stCondLst>
+                                    <p:cond delay="0"/>
+                                  </p:stCondLst>
+                                  <p:childTnLst>
+                                    <p:set>
+                                      <p:cBhvr>
+                                        <p:cTn id="28" dur="1" fill="hold">
+                                          <p:stCondLst>
+                                            <p:cond delay="0"/>
+                                          </p:stCondLst>
+                                        </p:cTn>
+                                        <p:tgtEl>
+                                          <p:spTgt spid="31"/>
+                                        </p:tgtEl>
+                                        <p:attrNameLst>
+                                          <p:attrName>style.visibility</p:attrName>
+                                        </p:attrNameLst>
+                                      </p:cBhvr>
+                                      <p:to>
+                                        <p:strVal val="hidden"/>
+                                      </p:to>
+                                    </p:set>
+                                  </p:childTnLst>
+                                </p:cTn>
+                              </p:par>
+                              <p:par>
+                                <p:cTn id="29" presetID="1" presetClass="exit" presetSubtype="0" fill="hold" nodeType="withEffect">
+                                  <p:stCondLst>
+                                    <p:cond delay="0"/>
+                                  </p:stCondLst>
+                                  <p:childTnLst>
+                                    <p:set>
+                                      <p:cBhvr>
+                                        <p:cTn id="30" dur="1" fill="hold">
+                                          <p:stCondLst>
+                                            <p:cond delay="0"/>
+                                          </p:stCondLst>
+                                        </p:cTn>
+                                        <p:tgtEl>
+                                          <p:spTgt spid="30"/>
+                                        </p:tgtEl>
+                                        <p:attrNameLst>
+                                          <p:attrName>style.visibility</p:attrName>
+                                        </p:attrNameLst>
+                                      </p:cBhvr>
+                                      <p:to>
+                                        <p:strVal val="hidden"/>
+                                      </p:to>
+                                    </p:set>
+                                  </p:childTnLst>
+                                </p:cTn>
+                              </p:par>
+                              <p:par>
+                                <p:cTn id="31" presetID="1" presetClass="exit" presetSubtype="0" fill="hold" grpId="0" nodeType="withEffect">
+                                  <p:stCondLst>
+                                    <p:cond delay="0"/>
+                                  </p:stCondLst>
+                                  <p:childTnLst>
+                                    <p:set>
+                                      <p:cBhvr>
+                                        <p:cTn id="32" dur="1" fill="hold">
+                                          <p:stCondLst>
+                                            <p:cond delay="0"/>
+                                          </p:stCondLst>
+                                        </p:cTn>
+                                        <p:tgtEl>
+                                          <p:spTgt spid="14"/>
+                                        </p:tgtEl>
+                                        <p:attrNameLst>
+                                          <p:attrName>style.visibility</p:attrName>
+                                        </p:attrNameLst>
+                                      </p:cBhvr>
+                                      <p:to>
+                                        <p:strVal val="hidden"/>
+                                      </p:to>
+                                    </p:set>
+                                  </p:childTnLst>
+                                </p:cTn>
+                              </p:par>
+                              <p:par>
+                                <p:cTn id="33" presetID="1" presetClass="exit" presetSubtype="0" fill="hold" nodeType="withEffect">
+                                  <p:stCondLst>
+                                    <p:cond delay="0"/>
+                                  </p:stCondLst>
+                                  <p:childTnLst>
+                                    <p:set>
+                                      <p:cBhvr>
+                                        <p:cTn id="34" dur="1" fill="hold">
+                                          <p:stCondLst>
+                                            <p:cond delay="0"/>
+                                          </p:stCondLst>
+                                        </p:cTn>
+                                        <p:tgtEl>
+                                          <p:spTgt spid="10"/>
+                                        </p:tgtEl>
+                                        <p:attrNameLst>
+                                          <p:attrName>style.visibility</p:attrName>
+                                        </p:attrNameLst>
+                                      </p:cBhvr>
+                                      <p:to>
+                                        <p:strVal val="hidden"/>
+                                      </p:to>
+                                    </p:set>
+                                  </p:childTnLst>
+                                </p:cTn>
+                              </p:par>
+                            </p:childTnLst>
+                          </p:cTn>
+                        </p:par>
+                      </p:childTnLst>
+                    </p:cTn>
+                  </p:par>
+                  <p:par>
+                    <p:cTn id="35" fill="hold">
+                      <p:stCondLst>
+                        <p:cond delay="indefinite"/>
+                      </p:stCondLst>
+                      <p:childTnLst>
+                        <p:par>
+                          <p:cTn id="36" fill="hold">
+                            <p:stCondLst>
+                              <p:cond delay="0"/>
+                            </p:stCondLst>
+                            <p:childTnLst>
+                              <p:par>
+                                <p:cTn id="37" presetID="1" presetClass="entr" presetSubtype="0" fill="hold" nodeType="clickEffect">
+                                  <p:stCondLst>
+                                    <p:cond delay="0"/>
+                                  </p:stCondLst>
+                                  <p:childTnLst>
+                                    <p:set>
+                                      <p:cBhvr>
+                                        <p:cTn id="38" dur="1" fill="hold">
+                                          <p:stCondLst>
+                                            <p:cond delay="0"/>
+                                          </p:stCondLst>
+                                        </p:cTn>
+                                        <p:tgtEl>
+                                          <p:spTgt spid="33"/>
+                                        </p:tgtEl>
+                                        <p:attrNameLst>
+                                          <p:attrName>style.visibility</p:attrName>
+                                        </p:attrNameLst>
+                                      </p:cBhvr>
+                                      <p:to>
+                                        <p:strVal val="visible"/>
+                                      </p:to>
+                                    </p:set>
+                                  </p:childTnLst>
+                                </p:cTn>
+                              </p:par>
+                              <p:par>
+                                <p:cTn id="39" presetID="1" presetClass="entr" presetSubtype="0" fill="hold" nodeType="withEffect">
+                                  <p:stCondLst>
+                                    <p:cond delay="0"/>
+                                  </p:stCondLst>
+                                  <p:childTnLst>
+                                    <p:set>
+                                      <p:cBhvr>
+                                        <p:cTn id="40" dur="1" fill="hold">
+                                          <p:stCondLst>
+                                            <p:cond delay="0"/>
+                                          </p:stCondLst>
+                                        </p:cTn>
+                                        <p:tgtEl>
+                                          <p:spTgt spid="32"/>
+                                        </p:tgtEl>
+                                        <p:attrNameLst>
+                                          <p:attrName>style.visibility</p:attrName>
+                                        </p:attrNameLst>
+                                      </p:cBhvr>
+                                      <p:to>
+                                        <p:strVal val="visible"/>
+                                      </p:to>
+                                    </p:set>
+                                  </p:childTnLst>
+                                </p:cTn>
+                              </p:par>
+                            </p:childTnLst>
+                          </p:cTn>
+                        </p:par>
+                      </p:childTnLst>
+                    </p:cTn>
+                  </p:par>
+                  <p:par>
+                    <p:cTn id="41" fill="hold">
+                      <p:stCondLst>
+                        <p:cond delay="indefinite"/>
+                      </p:stCondLst>
+                      <p:childTnLst>
+                        <p:par>
+                          <p:cTn id="42" fill="hold">
+                            <p:stCondLst>
+                              <p:cond delay="0"/>
+                            </p:stCondLst>
+                            <p:childTnLst>
+                              <p:par>
+                                <p:cTn id="43" presetID="1" presetClass="exit" presetSubtype="0" fill="hold" nodeType="clickEffect">
+                                  <p:stCondLst>
+                                    <p:cond delay="0"/>
+                                  </p:stCondLst>
+                                  <p:childTnLst>
+                                    <p:set>
+                                      <p:cBhvr>
+                                        <p:cTn id="44" dur="1" fill="hold">
+                                          <p:stCondLst>
+                                            <p:cond delay="0"/>
+                                          </p:stCondLst>
+                                        </p:cTn>
+                                        <p:tgtEl>
+                                          <p:spTgt spid="33"/>
+                                        </p:tgtEl>
+                                        <p:attrNameLst>
+                                          <p:attrName>style.visibility</p:attrName>
+                                        </p:attrNameLst>
+                                      </p:cBhvr>
+                                      <p:to>
+                                        <p:strVal val="hidden"/>
+                                      </p:to>
+                                    </p:set>
+                                  </p:childTnLst>
+                                </p:cTn>
+                              </p:par>
+                              <p:par>
+                                <p:cTn id="45" presetID="1" presetClass="exit" presetSubtype="0" fill="hold" nodeType="withEffect">
+                                  <p:stCondLst>
+                                    <p:cond delay="0"/>
+                                  </p:stCondLst>
+                                  <p:childTnLst>
+                                    <p:set>
+                                      <p:cBhvr>
+                                        <p:cTn id="46" dur="1" fill="hold">
+                                          <p:stCondLst>
+                                            <p:cond delay="0"/>
+                                          </p:stCondLst>
+                                        </p:cTn>
+                                        <p:tgtEl>
+                                          <p:spTgt spid="32"/>
+                                        </p:tgtEl>
+                                        <p:attrNameLst>
+                                          <p:attrName>style.visibility</p:attrName>
+                                        </p:attrNameLst>
+                                      </p:cBhvr>
+                                      <p:to>
+                                        <p:strVal val="hidden"/>
+                                      </p:to>
+                                    </p:set>
+                                  </p:childTnLst>
+                                </p:cTn>
+                              </p:par>
+                              <p:par>
+                                <p:cTn id="47" presetID="1" presetClass="exit" presetSubtype="0" fill="hold" grpId="0" nodeType="withEffect">
+                                  <p:stCondLst>
+                                    <p:cond delay="0"/>
+                                  </p:stCondLst>
+                                  <p:childTnLst>
+                                    <p:set>
+                                      <p:cBhvr>
+                                        <p:cTn id="48" dur="1" fill="hold">
+                                          <p:stCondLst>
+                                            <p:cond delay="0"/>
+                                          </p:stCondLst>
+                                        </p:cTn>
+                                        <p:tgtEl>
+                                          <p:spTgt spid="13"/>
+                                        </p:tgtEl>
+                                        <p:attrNameLst>
+                                          <p:attrName>style.visibility</p:attrName>
+                                        </p:attrNameLst>
+                                      </p:cBhvr>
+                                      <p:to>
+                                        <p:strVal val="hidden"/>
+                                      </p:to>
+                                    </p:set>
+                                  </p:childTnLst>
+                                </p:cTn>
+                              </p:par>
+                              <p:par>
+                                <p:cTn id="49" presetID="1" presetClass="exit" presetSubtype="0" fill="hold" nodeType="withEffect">
+                                  <p:stCondLst>
+                                    <p:cond delay="0"/>
+                                  </p:stCondLst>
+                                  <p:childTnLst>
+                                    <p:set>
+                                      <p:cBhvr>
+                                        <p:cTn id="50" dur="1" fill="hold">
+                                          <p:stCondLst>
+                                            <p:cond delay="0"/>
+                                          </p:stCondLst>
+                                        </p:cTn>
+                                        <p:tgtEl>
+                                          <p:spTgt spid="9"/>
+                                        </p:tgtEl>
+                                        <p:attrNameLst>
+                                          <p:attrName>style.visibility</p:attrName>
+                                        </p:attrNameLst>
+                                      </p:cBhvr>
+                                      <p:to>
+                                        <p:strVal val="hidden"/>
+                                      </p:to>
+                                    </p:set>
+                                  </p:childTnLst>
+                                </p:cTn>
+                              </p:par>
+                              <p:par>
+                                <p:cTn id="51" presetID="1" presetClass="exit" presetSubtype="0" fill="hold" nodeType="withEffect">
+                                  <p:stCondLst>
+                                    <p:cond delay="0"/>
+                                  </p:stCondLst>
+                                  <p:childTnLst>
+                                    <p:set>
+                                      <p:cBhvr>
+                                        <p:cTn id="52" dur="1" fill="hold">
+                                          <p:stCondLst>
+                                            <p:cond delay="0"/>
+                                          </p:stCondLst>
+                                        </p:cTn>
+                                        <p:tgtEl>
+                                          <p:spTgt spid="4"/>
+                                        </p:tgtEl>
+                                        <p:attrNameLst>
+                                          <p:attrName>style.visibility</p:attrName>
+                                        </p:attrNameLst>
+                                      </p:cBhvr>
+                                      <p:to>
+                                        <p:strVal val="hidden"/>
+                                      </p:to>
+                                    </p:set>
+                                  </p:childTnLst>
+                                </p:cTn>
+                              </p:par>
+                              <p:par>
+                                <p:cTn id="53" presetID="1" presetClass="exit" presetSubtype="0" fill="hold" grpId="0" nodeType="withEffect">
+                                  <p:stCondLst>
+                                    <p:cond delay="0"/>
+                                  </p:stCondLst>
+                                  <p:childTnLst>
+                                    <p:set>
+                                      <p:cBhvr>
+                                        <p:cTn id="54" dur="1" fill="hold">
+                                          <p:stCondLst>
+                                            <p:cond delay="0"/>
+                                          </p:stCondLst>
+                                        </p:cTn>
+                                        <p:tgtEl>
+                                          <p:spTgt spid="5"/>
+                                        </p:tgtEl>
+                                        <p:attrNameLst>
+                                          <p:attrName>style.visibility</p:attrName>
+                                        </p:attrNameLst>
+                                      </p:cBhvr>
+                                      <p:to>
+                                        <p:strVal val="hidden"/>
+                                      </p:to>
+                                    </p:set>
+                                  </p:childTnLst>
+                                </p:cTn>
+                              </p:par>
+                            </p:childTnLst>
+                          </p:cTn>
+                        </p:par>
+                      </p:childTnLst>
+                    </p:cTn>
+                  </p:par>
+                </p:childTnLst>
+              </p:cTn>
+              <p:prevCondLst>
+                <p:cond evt="onPrev" delay="0">
+                  <p:tgtEl>
+                    <p:sldTgt/>
+                  </p:tgtEl>
+                </p:cond>
+              </p:prevCondLst>
+              <p:nextCondLst>
+                <p:cond evt="onNext" delay="0">
+                  <p:tgtEl>
+                    <p:sldTgt/>
+                  </p:tgtEl>
+                </p:cond>
+              </p:nextCondLst>
+            </p:seq>
+          </p:childTnLst>
+        </p:cTn>
+      </p:par>
+    </p:tnLst>
+    <p:bldLst>
+      <p:bldP spid="13" grpId="0"/>
+      <p:bldP spid="15" grpId="0"/>
+      <p:bldP spid="14" grpId="0"/>
+      <p:bldP spid="5" grpId="0"/>
+    </p:bldLst>
+  </p:timing>
+</p:sld>
+</file>
+
+<file path=ppt/slides/slide13.xml><?xml version="1.0" encoding="utf-8"?>
 <p:sld xmlns:a="http://schemas.openxmlformats.org/drawingml/2006/main" xmlns:r="http://schemas.openxmlformats.org/officeDocument/2006/relationships" xmlns:p="http://schemas.openxmlformats.org/presentationml/2006/main">
   <p:cSld>
     <p:spTree>
